--- a/CBP專案/API Document/付款函稿API.pptx
+++ b/CBP專案/API Document/付款函稿API.pptx
@@ -7,6 +7,8 @@
   <p:sldIdLst>
     <p:sldId id="256" r:id="rId2"/>
     <p:sldId id="257" r:id="rId3"/>
+    <p:sldId id="258" r:id="rId4"/>
+    <p:sldId id="259" r:id="rId5"/>
   </p:sldIdLst>
   <p:sldSz cx="12192000" cy="6858000"/>
   <p:notesSz cx="6858000" cy="9144000"/>
@@ -105,6 +107,11 @@
       </a:defRPr>
     </a:lvl9pPr>
   </p:defaultTextStyle>
+  <p:extLst>
+    <p:ext uri="{EFAFB233-063F-42B5-8137-9DF3F51BA10A}">
+      <p15:sldGuideLst xmlns:p15="http://schemas.microsoft.com/office/powerpoint/2012/main"/>
+    </p:ext>
+  </p:extLst>
 </p:presentation>
 </file>
 
@@ -255,7 +262,7 @@
           <a:p>
             <a:fld id="{97BC2966-0E6B-4B03-8983-1CCCB8CCA925}" type="datetimeFigureOut">
               <a:rPr lang="zh-TW" altLang="en-US" smtClean="0"/>
-              <a:t>2023/6/19</a:t>
+              <a:t>2023/6/20</a:t>
             </a:fld>
             <a:endParaRPr lang="zh-TW" altLang="en-US"/>
           </a:p>
@@ -453,7 +460,7 @@
           <a:p>
             <a:fld id="{97BC2966-0E6B-4B03-8983-1CCCB8CCA925}" type="datetimeFigureOut">
               <a:rPr lang="zh-TW" altLang="en-US" smtClean="0"/>
-              <a:t>2023/6/19</a:t>
+              <a:t>2023/6/20</a:t>
             </a:fld>
             <a:endParaRPr lang="zh-TW" altLang="en-US"/>
           </a:p>
@@ -661,7 +668,7 @@
           <a:p>
             <a:fld id="{97BC2966-0E6B-4B03-8983-1CCCB8CCA925}" type="datetimeFigureOut">
               <a:rPr lang="zh-TW" altLang="en-US" smtClean="0"/>
-              <a:t>2023/6/19</a:t>
+              <a:t>2023/6/20</a:t>
             </a:fld>
             <a:endParaRPr lang="zh-TW" altLang="en-US"/>
           </a:p>
@@ -859,7 +866,7 @@
           <a:p>
             <a:fld id="{97BC2966-0E6B-4B03-8983-1CCCB8CCA925}" type="datetimeFigureOut">
               <a:rPr lang="zh-TW" altLang="en-US" smtClean="0"/>
-              <a:t>2023/6/19</a:t>
+              <a:t>2023/6/20</a:t>
             </a:fld>
             <a:endParaRPr lang="zh-TW" altLang="en-US"/>
           </a:p>
@@ -1134,7 +1141,7 @@
           <a:p>
             <a:fld id="{97BC2966-0E6B-4B03-8983-1CCCB8CCA925}" type="datetimeFigureOut">
               <a:rPr lang="zh-TW" altLang="en-US" smtClean="0"/>
-              <a:t>2023/6/19</a:t>
+              <a:t>2023/6/20</a:t>
             </a:fld>
             <a:endParaRPr lang="zh-TW" altLang="en-US"/>
           </a:p>
@@ -1399,7 +1406,7 @@
           <a:p>
             <a:fld id="{97BC2966-0E6B-4B03-8983-1CCCB8CCA925}" type="datetimeFigureOut">
               <a:rPr lang="zh-TW" altLang="en-US" smtClean="0"/>
-              <a:t>2023/6/19</a:t>
+              <a:t>2023/6/20</a:t>
             </a:fld>
             <a:endParaRPr lang="zh-TW" altLang="en-US"/>
           </a:p>
@@ -1811,7 +1818,7 @@
           <a:p>
             <a:fld id="{97BC2966-0E6B-4B03-8983-1CCCB8CCA925}" type="datetimeFigureOut">
               <a:rPr lang="zh-TW" altLang="en-US" smtClean="0"/>
-              <a:t>2023/6/19</a:t>
+              <a:t>2023/6/20</a:t>
             </a:fld>
             <a:endParaRPr lang="zh-TW" altLang="en-US"/>
           </a:p>
@@ -1952,7 +1959,7 @@
           <a:p>
             <a:fld id="{97BC2966-0E6B-4B03-8983-1CCCB8CCA925}" type="datetimeFigureOut">
               <a:rPr lang="zh-TW" altLang="en-US" smtClean="0"/>
-              <a:t>2023/6/19</a:t>
+              <a:t>2023/6/20</a:t>
             </a:fld>
             <a:endParaRPr lang="zh-TW" altLang="en-US"/>
           </a:p>
@@ -2065,7 +2072,7 @@
           <a:p>
             <a:fld id="{97BC2966-0E6B-4B03-8983-1CCCB8CCA925}" type="datetimeFigureOut">
               <a:rPr lang="zh-TW" altLang="en-US" smtClean="0"/>
-              <a:t>2023/6/19</a:t>
+              <a:t>2023/6/20</a:t>
             </a:fld>
             <a:endParaRPr lang="zh-TW" altLang="en-US"/>
           </a:p>
@@ -2376,7 +2383,7 @@
           <a:p>
             <a:fld id="{97BC2966-0E6B-4B03-8983-1CCCB8CCA925}" type="datetimeFigureOut">
               <a:rPr lang="zh-TW" altLang="en-US" smtClean="0"/>
-              <a:t>2023/6/19</a:t>
+              <a:t>2023/6/20</a:t>
             </a:fld>
             <a:endParaRPr lang="zh-TW" altLang="en-US"/>
           </a:p>
@@ -2664,7 +2671,7 @@
           <a:p>
             <a:fld id="{97BC2966-0E6B-4B03-8983-1CCCB8CCA925}" type="datetimeFigureOut">
               <a:rPr lang="zh-TW" altLang="en-US" smtClean="0"/>
-              <a:t>2023/6/19</a:t>
+              <a:t>2023/6/20</a:t>
             </a:fld>
             <a:endParaRPr lang="zh-TW" altLang="en-US"/>
           </a:p>
@@ -2905,7 +2912,7 @@
           <a:p>
             <a:fld id="{97BC2966-0E6B-4B03-8983-1CCCB8CCA925}" type="datetimeFigureOut">
               <a:rPr lang="zh-TW" altLang="en-US" smtClean="0"/>
-              <a:t>2023/6/19</a:t>
+              <a:t>2023/6/20</a:t>
             </a:fld>
             <a:endParaRPr lang="zh-TW" altLang="en-US"/>
           </a:p>
@@ -3626,7 +3633,7 @@
             <a:avLst/>
           </a:prstGeom>
           <a:noFill/>
-          <a:ln>
+          <a:ln w="9525">
             <a:solidFill>
               <a:srgbClr val="FF0000"/>
             </a:solidFill>
@@ -3680,7 +3687,7 @@
           <a:prstGeom prst="bentConnector3">
             <a:avLst/>
           </a:prstGeom>
-          <a:ln>
+          <a:ln w="9525">
             <a:solidFill>
               <a:srgbClr val="FF0000"/>
             </a:solidFill>
@@ -3979,9 +3986,9 @@
               <a:gd name="adj2" fmla="val 77161"/>
             </a:avLst>
           </a:prstGeom>
-          <a:ln>
+          <a:ln w="9525">
             <a:solidFill>
-              <a:srgbClr val="FF0000"/>
+              <a:schemeClr val="tx1"/>
             </a:solidFill>
             <a:tailEnd type="triangle"/>
           </a:ln>
@@ -4079,7 +4086,7 @@
               <a:gd name="adj2" fmla="val 51153"/>
             </a:avLst>
           </a:prstGeom>
-          <a:ln>
+          <a:ln w="9525">
             <a:solidFill>
               <a:srgbClr val="FF0000"/>
             </a:solidFill>
@@ -4232,7 +4239,7 @@
               <a:gd name="adj2" fmla="val 72412"/>
             </a:avLst>
           </a:prstGeom>
-          <a:ln>
+          <a:ln w="9525">
             <a:solidFill>
               <a:srgbClr val="FF0000"/>
             </a:solidFill>
@@ -4452,7 +4459,7 @@
             <a:prstGeom prst="line">
               <a:avLst/>
             </a:prstGeom>
-            <a:ln>
+            <a:ln w="9525">
               <a:solidFill>
                 <a:srgbClr val="FF0000"/>
               </a:solidFill>
@@ -4489,13 +4496,13 @@
           </p:nvCxnSpPr>
           <p:spPr>
             <a:xfrm>
-              <a:off x="8215381" y="1136604"/>
-              <a:ext cx="0" cy="3037554"/>
+              <a:off x="8215380" y="1098911"/>
+              <a:ext cx="1" cy="3075247"/>
             </a:xfrm>
             <a:prstGeom prst="line">
               <a:avLst/>
             </a:prstGeom>
-            <a:ln>
+            <a:ln w="9525">
               <a:solidFill>
                 <a:srgbClr val="FF0000"/>
               </a:solidFill>
@@ -4532,13 +4539,13 @@
           </p:nvCxnSpPr>
           <p:spPr>
             <a:xfrm>
-              <a:off x="7723932" y="1136604"/>
-              <a:ext cx="491449" cy="5383"/>
+              <a:off x="7723931" y="1098911"/>
+              <a:ext cx="491449" cy="0"/>
             </a:xfrm>
             <a:prstGeom prst="line">
               <a:avLst/>
             </a:prstGeom>
-            <a:ln>
+            <a:ln w="9525">
               <a:solidFill>
                 <a:srgbClr val="FF0000"/>
               </a:solidFill>
@@ -4576,13 +4583,13 @@
           </p:nvCxnSpPr>
           <p:spPr>
             <a:xfrm flipV="1">
-              <a:off x="7723932" y="945359"/>
-              <a:ext cx="0" cy="191245"/>
+              <a:off x="7723931" y="945359"/>
+              <a:ext cx="1" cy="153552"/>
             </a:xfrm>
             <a:prstGeom prst="line">
               <a:avLst/>
             </a:prstGeom>
-            <a:ln>
+            <a:ln w="9525">
               <a:solidFill>
                 <a:srgbClr val="FF0000"/>
               </a:solidFill>
@@ -4605,10 +4612,4368 @@
           </p:style>
         </p:cxnSp>
       </p:grpSp>
+      <p:sp>
+        <p:nvSpPr>
+          <p:cNvPr id="24" name="矩形 23">
+            <a:extLst>
+              <a:ext uri="{FF2B5EF4-FFF2-40B4-BE49-F238E27FC236}">
+                <a16:creationId xmlns:a16="http://schemas.microsoft.com/office/drawing/2014/main" id="{AACE411F-4515-4786-86B0-B11423AD1351}"/>
+              </a:ext>
+            </a:extLst>
+          </p:cNvPr>
+          <p:cNvSpPr/>
+          <p:nvPr/>
+        </p:nvSpPr>
+        <p:spPr>
+          <a:xfrm>
+            <a:off x="8279606" y="828678"/>
+            <a:ext cx="552450" cy="116681"/>
+          </a:xfrm>
+          <a:prstGeom prst="rect">
+            <a:avLst/>
+          </a:prstGeom>
+          <a:noFill/>
+          <a:ln w="9525">
+            <a:solidFill>
+              <a:schemeClr val="accent1"/>
+            </a:solidFill>
+          </a:ln>
+        </p:spPr>
+        <p:style>
+          <a:lnRef idx="2">
+            <a:schemeClr val="accent1">
+              <a:shade val="50000"/>
+            </a:schemeClr>
+          </a:lnRef>
+          <a:fillRef idx="1">
+            <a:schemeClr val="accent1"/>
+          </a:fillRef>
+          <a:effectRef idx="0">
+            <a:schemeClr val="accent1"/>
+          </a:effectRef>
+          <a:fontRef idx="minor">
+            <a:schemeClr val="lt1"/>
+          </a:fontRef>
+        </p:style>
+        <p:txBody>
+          <a:bodyPr rtlCol="0" anchor="ctr"/>
+          <a:lstStyle/>
+          <a:p>
+            <a:pPr algn="ctr"/>
+            <a:endParaRPr lang="zh-TW" altLang="en-US"/>
+          </a:p>
+        </p:txBody>
+      </p:sp>
+      <p:grpSp>
+        <p:nvGrpSpPr>
+          <p:cNvPr id="16" name="群組 15">
+            <a:extLst>
+              <a:ext uri="{FF2B5EF4-FFF2-40B4-BE49-F238E27FC236}">
+                <a16:creationId xmlns:a16="http://schemas.microsoft.com/office/drawing/2014/main" id="{1CF28029-07CE-422F-A8F5-B31FE1001197}"/>
+              </a:ext>
+            </a:extLst>
+          </p:cNvPr>
+          <p:cNvGrpSpPr/>
+          <p:nvPr/>
+        </p:nvGrpSpPr>
+        <p:grpSpPr>
+          <a:xfrm>
+            <a:off x="11258554" y="881064"/>
+            <a:ext cx="457203" cy="85725"/>
+            <a:chOff x="11258554" y="881064"/>
+            <a:chExt cx="457203" cy="85725"/>
+          </a:xfrm>
+        </p:grpSpPr>
+        <p:cxnSp>
+          <p:nvCxnSpPr>
+            <p:cNvPr id="4" name="直線接點 3">
+              <a:extLst>
+                <a:ext uri="{FF2B5EF4-FFF2-40B4-BE49-F238E27FC236}">
+                  <a16:creationId xmlns:a16="http://schemas.microsoft.com/office/drawing/2014/main" id="{DE047734-72CF-4AA5-914F-69D0103C0DC5}"/>
+                </a:ext>
+              </a:extLst>
+            </p:cNvPr>
+            <p:cNvCxnSpPr/>
+            <p:nvPr/>
+          </p:nvCxnSpPr>
+          <p:spPr>
+            <a:xfrm>
+              <a:off x="11258554" y="881064"/>
+              <a:ext cx="457203" cy="0"/>
+            </a:xfrm>
+            <a:prstGeom prst="line">
+              <a:avLst/>
+            </a:prstGeom>
+            <a:ln w="9525"/>
+          </p:spPr>
+          <p:style>
+            <a:lnRef idx="1">
+              <a:schemeClr val="accent1"/>
+            </a:lnRef>
+            <a:fillRef idx="0">
+              <a:schemeClr val="accent1"/>
+            </a:fillRef>
+            <a:effectRef idx="0">
+              <a:schemeClr val="accent1"/>
+            </a:effectRef>
+            <a:fontRef idx="minor">
+              <a:schemeClr val="tx1"/>
+            </a:fontRef>
+          </p:style>
+        </p:cxnSp>
+        <p:cxnSp>
+          <p:nvCxnSpPr>
+            <p:cNvPr id="27" name="直線接點 26">
+              <a:extLst>
+                <a:ext uri="{FF2B5EF4-FFF2-40B4-BE49-F238E27FC236}">
+                  <a16:creationId xmlns:a16="http://schemas.microsoft.com/office/drawing/2014/main" id="{266D9CF9-6ABF-41AE-9BDF-8C47149E64BD}"/>
+                </a:ext>
+              </a:extLst>
+            </p:cNvPr>
+            <p:cNvCxnSpPr>
+              <a:cxnSpLocks/>
+            </p:cNvCxnSpPr>
+            <p:nvPr/>
+          </p:nvCxnSpPr>
+          <p:spPr>
+            <a:xfrm>
+              <a:off x="11258554" y="881064"/>
+              <a:ext cx="0" cy="85725"/>
+            </a:xfrm>
+            <a:prstGeom prst="line">
+              <a:avLst/>
+            </a:prstGeom>
+            <a:ln w="9525"/>
+          </p:spPr>
+          <p:style>
+            <a:lnRef idx="1">
+              <a:schemeClr val="accent1"/>
+            </a:lnRef>
+            <a:fillRef idx="0">
+              <a:schemeClr val="accent1"/>
+            </a:fillRef>
+            <a:effectRef idx="0">
+              <a:schemeClr val="accent1"/>
+            </a:effectRef>
+            <a:fontRef idx="minor">
+              <a:schemeClr val="tx1"/>
+            </a:fontRef>
+          </p:style>
+        </p:cxnSp>
+        <p:cxnSp>
+          <p:nvCxnSpPr>
+            <p:cNvPr id="30" name="直線接點 29">
+              <a:extLst>
+                <a:ext uri="{FF2B5EF4-FFF2-40B4-BE49-F238E27FC236}">
+                  <a16:creationId xmlns:a16="http://schemas.microsoft.com/office/drawing/2014/main" id="{9F96F4BD-B754-445C-A615-D5B2F398BD69}"/>
+                </a:ext>
+              </a:extLst>
+            </p:cNvPr>
+            <p:cNvCxnSpPr>
+              <a:cxnSpLocks/>
+            </p:cNvCxnSpPr>
+            <p:nvPr/>
+          </p:nvCxnSpPr>
+          <p:spPr>
+            <a:xfrm>
+              <a:off x="11258554" y="966789"/>
+              <a:ext cx="457203" cy="0"/>
+            </a:xfrm>
+            <a:prstGeom prst="line">
+              <a:avLst/>
+            </a:prstGeom>
+            <a:ln w="9525"/>
+          </p:spPr>
+          <p:style>
+            <a:lnRef idx="1">
+              <a:schemeClr val="accent1"/>
+            </a:lnRef>
+            <a:fillRef idx="0">
+              <a:schemeClr val="accent1"/>
+            </a:fillRef>
+            <a:effectRef idx="0">
+              <a:schemeClr val="accent1"/>
+            </a:effectRef>
+            <a:fontRef idx="minor">
+              <a:schemeClr val="tx1"/>
+            </a:fontRef>
+          </p:style>
+        </p:cxnSp>
+      </p:grpSp>
+      <p:grpSp>
+        <p:nvGrpSpPr>
+          <p:cNvPr id="17" name="群組 16">
+            <a:extLst>
+              <a:ext uri="{FF2B5EF4-FFF2-40B4-BE49-F238E27FC236}">
+                <a16:creationId xmlns:a16="http://schemas.microsoft.com/office/drawing/2014/main" id="{E242F575-75E5-4C90-8D2A-9B3A0CB975D5}"/>
+              </a:ext>
+            </a:extLst>
+          </p:cNvPr>
+          <p:cNvGrpSpPr/>
+          <p:nvPr/>
+        </p:nvGrpSpPr>
+        <p:grpSpPr>
+          <a:xfrm>
+            <a:off x="9960773" y="994570"/>
+            <a:ext cx="88102" cy="85725"/>
+            <a:chOff x="9960773" y="994570"/>
+            <a:chExt cx="88102" cy="85725"/>
+          </a:xfrm>
+        </p:grpSpPr>
+        <p:cxnSp>
+          <p:nvCxnSpPr>
+            <p:cNvPr id="35" name="直線接點 34">
+              <a:extLst>
+                <a:ext uri="{FF2B5EF4-FFF2-40B4-BE49-F238E27FC236}">
+                  <a16:creationId xmlns:a16="http://schemas.microsoft.com/office/drawing/2014/main" id="{D2E66729-CF02-4BC7-8388-0BA7E53EA862}"/>
+                </a:ext>
+              </a:extLst>
+            </p:cNvPr>
+            <p:cNvCxnSpPr>
+              <a:cxnSpLocks/>
+            </p:cNvCxnSpPr>
+            <p:nvPr/>
+          </p:nvCxnSpPr>
+          <p:spPr>
+            <a:xfrm>
+              <a:off x="9960773" y="1080295"/>
+              <a:ext cx="88102" cy="0"/>
+            </a:xfrm>
+            <a:prstGeom prst="line">
+              <a:avLst/>
+            </a:prstGeom>
+            <a:ln w="9525"/>
+          </p:spPr>
+          <p:style>
+            <a:lnRef idx="1">
+              <a:schemeClr val="accent1"/>
+            </a:lnRef>
+            <a:fillRef idx="0">
+              <a:schemeClr val="accent1"/>
+            </a:fillRef>
+            <a:effectRef idx="0">
+              <a:schemeClr val="accent1"/>
+            </a:effectRef>
+            <a:fontRef idx="minor">
+              <a:schemeClr val="tx1"/>
+            </a:fontRef>
+          </p:style>
+        </p:cxnSp>
+        <p:cxnSp>
+          <p:nvCxnSpPr>
+            <p:cNvPr id="37" name="直線接點 36">
+              <a:extLst>
+                <a:ext uri="{FF2B5EF4-FFF2-40B4-BE49-F238E27FC236}">
+                  <a16:creationId xmlns:a16="http://schemas.microsoft.com/office/drawing/2014/main" id="{CC8E83F5-52F2-48B9-89AE-72E44889693F}"/>
+                </a:ext>
+              </a:extLst>
+            </p:cNvPr>
+            <p:cNvCxnSpPr>
+              <a:cxnSpLocks/>
+            </p:cNvCxnSpPr>
+            <p:nvPr/>
+          </p:nvCxnSpPr>
+          <p:spPr>
+            <a:xfrm>
+              <a:off x="10048875" y="994570"/>
+              <a:ext cx="0" cy="85725"/>
+            </a:xfrm>
+            <a:prstGeom prst="line">
+              <a:avLst/>
+            </a:prstGeom>
+            <a:ln w="9525"/>
+          </p:spPr>
+          <p:style>
+            <a:lnRef idx="1">
+              <a:schemeClr val="accent1"/>
+            </a:lnRef>
+            <a:fillRef idx="0">
+              <a:schemeClr val="accent1"/>
+            </a:fillRef>
+            <a:effectRef idx="0">
+              <a:schemeClr val="accent1"/>
+            </a:effectRef>
+            <a:fontRef idx="minor">
+              <a:schemeClr val="tx1"/>
+            </a:fontRef>
+          </p:style>
+        </p:cxnSp>
+        <p:cxnSp>
+          <p:nvCxnSpPr>
+            <p:cNvPr id="38" name="直線接點 37">
+              <a:extLst>
+                <a:ext uri="{FF2B5EF4-FFF2-40B4-BE49-F238E27FC236}">
+                  <a16:creationId xmlns:a16="http://schemas.microsoft.com/office/drawing/2014/main" id="{F39CE1C9-33E8-45DB-AAFF-7ED1BC70DC11}"/>
+                </a:ext>
+              </a:extLst>
+            </p:cNvPr>
+            <p:cNvCxnSpPr>
+              <a:cxnSpLocks/>
+            </p:cNvCxnSpPr>
+            <p:nvPr/>
+          </p:nvCxnSpPr>
+          <p:spPr>
+            <a:xfrm>
+              <a:off x="9960773" y="994570"/>
+              <a:ext cx="88102" cy="0"/>
+            </a:xfrm>
+            <a:prstGeom prst="line">
+              <a:avLst/>
+            </a:prstGeom>
+            <a:ln w="9525"/>
+          </p:spPr>
+          <p:style>
+            <a:lnRef idx="1">
+              <a:schemeClr val="accent1"/>
+            </a:lnRef>
+            <a:fillRef idx="0">
+              <a:schemeClr val="accent1"/>
+            </a:fillRef>
+            <a:effectRef idx="0">
+              <a:schemeClr val="accent1"/>
+            </a:effectRef>
+            <a:fontRef idx="minor">
+              <a:schemeClr val="tx1"/>
+            </a:fontRef>
+          </p:style>
+        </p:cxnSp>
+      </p:grpSp>
+      <p:grpSp>
+        <p:nvGrpSpPr>
+          <p:cNvPr id="48" name="群組 47">
+            <a:extLst>
+              <a:ext uri="{FF2B5EF4-FFF2-40B4-BE49-F238E27FC236}">
+                <a16:creationId xmlns:a16="http://schemas.microsoft.com/office/drawing/2014/main" id="{B62AC066-8DCC-444B-AFD5-C17CB164AC9F}"/>
+              </a:ext>
+            </a:extLst>
+          </p:cNvPr>
+          <p:cNvGrpSpPr/>
+          <p:nvPr/>
+        </p:nvGrpSpPr>
+        <p:grpSpPr>
+          <a:xfrm>
+            <a:off x="8587574" y="746128"/>
+            <a:ext cx="2828139" cy="134936"/>
+            <a:chOff x="8587574" y="746128"/>
+            <a:chExt cx="2828139" cy="134936"/>
+          </a:xfrm>
+        </p:grpSpPr>
+        <p:cxnSp>
+          <p:nvCxnSpPr>
+            <p:cNvPr id="43" name="直線接點 42">
+              <a:extLst>
+                <a:ext uri="{FF2B5EF4-FFF2-40B4-BE49-F238E27FC236}">
+                  <a16:creationId xmlns:a16="http://schemas.microsoft.com/office/drawing/2014/main" id="{A6F8604C-82BC-47F7-B275-9BE817130E2B}"/>
+                </a:ext>
+              </a:extLst>
+            </p:cNvPr>
+            <p:cNvCxnSpPr>
+              <a:cxnSpLocks/>
+            </p:cNvCxnSpPr>
+            <p:nvPr/>
+          </p:nvCxnSpPr>
+          <p:spPr>
+            <a:xfrm>
+              <a:off x="8587574" y="746128"/>
+              <a:ext cx="0" cy="82550"/>
+            </a:xfrm>
+            <a:prstGeom prst="line">
+              <a:avLst/>
+            </a:prstGeom>
+            <a:ln w="9525">
+              <a:solidFill>
+                <a:schemeClr val="accent1"/>
+              </a:solidFill>
+            </a:ln>
+          </p:spPr>
+          <p:style>
+            <a:lnRef idx="1">
+              <a:schemeClr val="accent1"/>
+            </a:lnRef>
+            <a:fillRef idx="0">
+              <a:schemeClr val="accent1"/>
+            </a:fillRef>
+            <a:effectRef idx="0">
+              <a:schemeClr val="accent1"/>
+            </a:effectRef>
+            <a:fontRef idx="minor">
+              <a:schemeClr val="tx1"/>
+            </a:fontRef>
+          </p:style>
+        </p:cxnSp>
+        <p:cxnSp>
+          <p:nvCxnSpPr>
+            <p:cNvPr id="46" name="直線接點 45">
+              <a:extLst>
+                <a:ext uri="{FF2B5EF4-FFF2-40B4-BE49-F238E27FC236}">
+                  <a16:creationId xmlns:a16="http://schemas.microsoft.com/office/drawing/2014/main" id="{1673DB3C-5E77-467E-AA06-123427F6A276}"/>
+                </a:ext>
+              </a:extLst>
+            </p:cNvPr>
+            <p:cNvCxnSpPr>
+              <a:cxnSpLocks/>
+            </p:cNvCxnSpPr>
+            <p:nvPr/>
+          </p:nvCxnSpPr>
+          <p:spPr>
+            <a:xfrm flipH="1">
+              <a:off x="8587574" y="746128"/>
+              <a:ext cx="2828139" cy="0"/>
+            </a:xfrm>
+            <a:prstGeom prst="line">
+              <a:avLst/>
+            </a:prstGeom>
+            <a:ln w="9525">
+              <a:solidFill>
+                <a:schemeClr val="accent1"/>
+              </a:solidFill>
+            </a:ln>
+          </p:spPr>
+          <p:style>
+            <a:lnRef idx="1">
+              <a:schemeClr val="accent1"/>
+            </a:lnRef>
+            <a:fillRef idx="0">
+              <a:schemeClr val="accent1"/>
+            </a:fillRef>
+            <a:effectRef idx="0">
+              <a:schemeClr val="accent1"/>
+            </a:effectRef>
+            <a:fontRef idx="minor">
+              <a:schemeClr val="tx1"/>
+            </a:fontRef>
+          </p:style>
+        </p:cxnSp>
+        <p:cxnSp>
+          <p:nvCxnSpPr>
+            <p:cNvPr id="50" name="直線接點 49">
+              <a:extLst>
+                <a:ext uri="{FF2B5EF4-FFF2-40B4-BE49-F238E27FC236}">
+                  <a16:creationId xmlns:a16="http://schemas.microsoft.com/office/drawing/2014/main" id="{7B2E6D72-00BC-4034-BD7A-01922E32F62C}"/>
+                </a:ext>
+              </a:extLst>
+            </p:cNvPr>
+            <p:cNvCxnSpPr>
+              <a:cxnSpLocks/>
+            </p:cNvCxnSpPr>
+            <p:nvPr/>
+          </p:nvCxnSpPr>
+          <p:spPr>
+            <a:xfrm>
+              <a:off x="11415713" y="746128"/>
+              <a:ext cx="0" cy="134936"/>
+            </a:xfrm>
+            <a:prstGeom prst="line">
+              <a:avLst/>
+            </a:prstGeom>
+            <a:ln w="9525">
+              <a:solidFill>
+                <a:schemeClr val="accent1"/>
+              </a:solidFill>
+              <a:tailEnd type="stealth"/>
+            </a:ln>
+          </p:spPr>
+          <p:style>
+            <a:lnRef idx="1">
+              <a:schemeClr val="accent1"/>
+            </a:lnRef>
+            <a:fillRef idx="0">
+              <a:schemeClr val="accent1"/>
+            </a:fillRef>
+            <a:effectRef idx="0">
+              <a:schemeClr val="accent1"/>
+            </a:effectRef>
+            <a:fontRef idx="minor">
+              <a:schemeClr val="tx1"/>
+            </a:fontRef>
+          </p:style>
+        </p:cxnSp>
+      </p:grpSp>
+      <p:sp>
+        <p:nvSpPr>
+          <p:cNvPr id="56" name="矩形 55">
+            <a:extLst>
+              <a:ext uri="{FF2B5EF4-FFF2-40B4-BE49-F238E27FC236}">
+                <a16:creationId xmlns:a16="http://schemas.microsoft.com/office/drawing/2014/main" id="{87A3FFCE-BC7E-497C-906A-1672C53586C6}"/>
+              </a:ext>
+            </a:extLst>
+          </p:cNvPr>
+          <p:cNvSpPr/>
+          <p:nvPr/>
+        </p:nvSpPr>
+        <p:spPr>
+          <a:xfrm>
+            <a:off x="10558616" y="881064"/>
+            <a:ext cx="380846" cy="85726"/>
+          </a:xfrm>
+          <a:prstGeom prst="rect">
+            <a:avLst/>
+          </a:prstGeom>
+          <a:noFill/>
+          <a:ln w="9525">
+            <a:solidFill>
+              <a:srgbClr val="FF0000"/>
+            </a:solidFill>
+          </a:ln>
+        </p:spPr>
+        <p:style>
+          <a:lnRef idx="2">
+            <a:schemeClr val="accent1">
+              <a:shade val="50000"/>
+            </a:schemeClr>
+          </a:lnRef>
+          <a:fillRef idx="1">
+            <a:schemeClr val="accent1"/>
+          </a:fillRef>
+          <a:effectRef idx="0">
+            <a:schemeClr val="accent1"/>
+          </a:effectRef>
+          <a:fontRef idx="minor">
+            <a:schemeClr val="lt1"/>
+          </a:fontRef>
+        </p:style>
+        <p:txBody>
+          <a:bodyPr rtlCol="0" anchor="ctr"/>
+          <a:lstStyle/>
+          <a:p>
+            <a:pPr algn="ctr"/>
+            <a:endParaRPr lang="zh-TW" altLang="en-US"/>
+          </a:p>
+        </p:txBody>
+      </p:sp>
+      <p:cxnSp>
+        <p:nvCxnSpPr>
+          <p:cNvPr id="52" name="接點: 肘形 51">
+            <a:extLst>
+              <a:ext uri="{FF2B5EF4-FFF2-40B4-BE49-F238E27FC236}">
+                <a16:creationId xmlns:a16="http://schemas.microsoft.com/office/drawing/2014/main" id="{F72AE523-E738-42D8-8B52-0969EB6191C8}"/>
+              </a:ext>
+            </a:extLst>
+          </p:cNvPr>
+          <p:cNvCxnSpPr>
+            <a:stCxn id="47" idx="0"/>
+            <a:endCxn id="56" idx="0"/>
+          </p:cNvCxnSpPr>
+          <p:nvPr/>
+        </p:nvCxnSpPr>
+        <p:spPr>
+          <a:xfrm rot="16200000" flipH="1">
+            <a:off x="9210292" y="-657682"/>
+            <a:ext cx="52386" cy="3025107"/>
+          </a:xfrm>
+          <a:prstGeom prst="bentConnector3">
+            <a:avLst>
+              <a:gd name="adj1" fmla="val -854574"/>
+            </a:avLst>
+          </a:prstGeom>
+          <a:ln w="9525">
+            <a:solidFill>
+              <a:srgbClr val="0070C0"/>
+            </a:solidFill>
+            <a:headEnd type="triangle"/>
+            <a:tailEnd type="triangle"/>
+          </a:ln>
+        </p:spPr>
+        <p:style>
+          <a:lnRef idx="1">
+            <a:schemeClr val="accent1"/>
+          </a:lnRef>
+          <a:fillRef idx="0">
+            <a:schemeClr val="accent1"/>
+          </a:fillRef>
+          <a:effectRef idx="0">
+            <a:schemeClr val="accent1"/>
+          </a:effectRef>
+          <a:fontRef idx="minor">
+            <a:schemeClr val="tx1"/>
+          </a:fontRef>
+        </p:style>
+      </p:cxnSp>
+      <p:sp>
+        <p:nvSpPr>
+          <p:cNvPr id="61" name="矩形 60">
+            <a:extLst>
+              <a:ext uri="{FF2B5EF4-FFF2-40B4-BE49-F238E27FC236}">
+                <a16:creationId xmlns:a16="http://schemas.microsoft.com/office/drawing/2014/main" id="{60A81AE7-C50E-4A57-85D6-9E2980700536}"/>
+              </a:ext>
+            </a:extLst>
+          </p:cNvPr>
+          <p:cNvSpPr/>
+          <p:nvPr/>
+        </p:nvSpPr>
+        <p:spPr>
+          <a:xfrm>
+            <a:off x="6837760" y="4982086"/>
+            <a:ext cx="867571" cy="116681"/>
+          </a:xfrm>
+          <a:prstGeom prst="rect">
+            <a:avLst/>
+          </a:prstGeom>
+          <a:noFill/>
+          <a:ln w="9525">
+            <a:solidFill>
+              <a:srgbClr val="FF0000"/>
+            </a:solidFill>
+          </a:ln>
+        </p:spPr>
+        <p:style>
+          <a:lnRef idx="2">
+            <a:schemeClr val="accent1">
+              <a:shade val="50000"/>
+            </a:schemeClr>
+          </a:lnRef>
+          <a:fillRef idx="1">
+            <a:schemeClr val="accent1"/>
+          </a:fillRef>
+          <a:effectRef idx="0">
+            <a:schemeClr val="accent1"/>
+          </a:effectRef>
+          <a:fontRef idx="minor">
+            <a:schemeClr val="lt1"/>
+          </a:fontRef>
+        </p:style>
+        <p:txBody>
+          <a:bodyPr rtlCol="0" anchor="ctr"/>
+          <a:lstStyle/>
+          <a:p>
+            <a:pPr algn="ctr"/>
+            <a:endParaRPr lang="zh-TW" altLang="en-US"/>
+          </a:p>
+        </p:txBody>
+      </p:sp>
+      <p:sp>
+        <p:nvSpPr>
+          <p:cNvPr id="62" name="矩形 61">
+            <a:extLst>
+              <a:ext uri="{FF2B5EF4-FFF2-40B4-BE49-F238E27FC236}">
+                <a16:creationId xmlns:a16="http://schemas.microsoft.com/office/drawing/2014/main" id="{A886C611-8983-4957-A34B-7CD784BC5F7A}"/>
+              </a:ext>
+            </a:extLst>
+          </p:cNvPr>
+          <p:cNvSpPr/>
+          <p:nvPr/>
+        </p:nvSpPr>
+        <p:spPr>
+          <a:xfrm>
+            <a:off x="10558616" y="2179441"/>
+            <a:ext cx="652306" cy="101797"/>
+          </a:xfrm>
+          <a:prstGeom prst="rect">
+            <a:avLst/>
+          </a:prstGeom>
+          <a:noFill/>
+          <a:ln w="9525">
+            <a:solidFill>
+              <a:srgbClr val="FF0000"/>
+            </a:solidFill>
+          </a:ln>
+        </p:spPr>
+        <p:style>
+          <a:lnRef idx="2">
+            <a:schemeClr val="accent1">
+              <a:shade val="50000"/>
+            </a:schemeClr>
+          </a:lnRef>
+          <a:fillRef idx="1">
+            <a:schemeClr val="accent1"/>
+          </a:fillRef>
+          <a:effectRef idx="0">
+            <a:schemeClr val="accent1"/>
+          </a:effectRef>
+          <a:fontRef idx="minor">
+            <a:schemeClr val="lt1"/>
+          </a:fontRef>
+        </p:style>
+        <p:txBody>
+          <a:bodyPr rtlCol="0" anchor="ctr"/>
+          <a:lstStyle/>
+          <a:p>
+            <a:pPr algn="ctr"/>
+            <a:endParaRPr lang="zh-TW" altLang="en-US"/>
+          </a:p>
+        </p:txBody>
+      </p:sp>
+      <p:cxnSp>
+        <p:nvCxnSpPr>
+          <p:cNvPr id="57" name="接點: 肘形 56">
+            <a:extLst>
+              <a:ext uri="{FF2B5EF4-FFF2-40B4-BE49-F238E27FC236}">
+                <a16:creationId xmlns:a16="http://schemas.microsoft.com/office/drawing/2014/main" id="{8DDD37B3-A8FC-4439-9D25-D72D19E8AF01}"/>
+              </a:ext>
+            </a:extLst>
+          </p:cNvPr>
+          <p:cNvCxnSpPr>
+            <a:cxnSpLocks/>
+            <a:stCxn id="36" idx="0"/>
+            <a:endCxn id="62" idx="3"/>
+          </p:cNvCxnSpPr>
+          <p:nvPr/>
+        </p:nvCxnSpPr>
+        <p:spPr>
+          <a:xfrm rot="16200000" flipH="1">
+            <a:off x="8941217" y="-39365"/>
+            <a:ext cx="929506" cy="3609904"/>
+          </a:xfrm>
+          <a:prstGeom prst="bentConnector4">
+            <a:avLst>
+              <a:gd name="adj1" fmla="val -9735"/>
+              <a:gd name="adj2" fmla="val 100660"/>
+            </a:avLst>
+          </a:prstGeom>
+          <a:ln w="9525">
+            <a:headEnd type="triangle"/>
+            <a:tailEnd type="triangle"/>
+          </a:ln>
+        </p:spPr>
+        <p:style>
+          <a:lnRef idx="1">
+            <a:schemeClr val="accent1"/>
+          </a:lnRef>
+          <a:fillRef idx="0">
+            <a:schemeClr val="accent1"/>
+          </a:fillRef>
+          <a:effectRef idx="0">
+            <a:schemeClr val="accent1"/>
+          </a:effectRef>
+          <a:fontRef idx="minor">
+            <a:schemeClr val="tx1"/>
+          </a:fontRef>
+        </p:style>
+      </p:cxnSp>
+      <p:sp>
+        <p:nvSpPr>
+          <p:cNvPr id="71" name="矩形 70">
+            <a:extLst>
+              <a:ext uri="{FF2B5EF4-FFF2-40B4-BE49-F238E27FC236}">
+                <a16:creationId xmlns:a16="http://schemas.microsoft.com/office/drawing/2014/main" id="{64CEBC6B-A5E4-4CB7-B81C-7EFCD13E262F}"/>
+              </a:ext>
+            </a:extLst>
+          </p:cNvPr>
+          <p:cNvSpPr/>
+          <p:nvPr/>
+        </p:nvSpPr>
+        <p:spPr>
+          <a:xfrm>
+            <a:off x="10048875" y="587775"/>
+            <a:ext cx="746125" cy="91858"/>
+          </a:xfrm>
+          <a:prstGeom prst="rect">
+            <a:avLst/>
+          </a:prstGeom>
+          <a:noFill/>
+          <a:ln w="9525">
+            <a:solidFill>
+              <a:srgbClr val="FF0000"/>
+            </a:solidFill>
+          </a:ln>
+        </p:spPr>
+        <p:style>
+          <a:lnRef idx="2">
+            <a:schemeClr val="accent1">
+              <a:shade val="50000"/>
+            </a:schemeClr>
+          </a:lnRef>
+          <a:fillRef idx="1">
+            <a:schemeClr val="accent1"/>
+          </a:fillRef>
+          <a:effectRef idx="0">
+            <a:schemeClr val="accent1"/>
+          </a:effectRef>
+          <a:fontRef idx="minor">
+            <a:schemeClr val="lt1"/>
+          </a:fontRef>
+        </p:style>
+        <p:txBody>
+          <a:bodyPr rtlCol="0" anchor="ctr"/>
+          <a:lstStyle/>
+          <a:p>
+            <a:pPr algn="ctr"/>
+            <a:endParaRPr lang="zh-TW" altLang="en-US"/>
+          </a:p>
+        </p:txBody>
+      </p:sp>
+      <p:grpSp>
+        <p:nvGrpSpPr>
+          <p:cNvPr id="93" name="群組 92">
+            <a:extLst>
+              <a:ext uri="{FF2B5EF4-FFF2-40B4-BE49-F238E27FC236}">
+                <a16:creationId xmlns:a16="http://schemas.microsoft.com/office/drawing/2014/main" id="{76FA1B62-5870-4347-AD8C-EF68FCC7C8E0}"/>
+              </a:ext>
+            </a:extLst>
+          </p:cNvPr>
+          <p:cNvGrpSpPr/>
+          <p:nvPr/>
+        </p:nvGrpSpPr>
+        <p:grpSpPr>
+          <a:xfrm>
+            <a:off x="7705331" y="633704"/>
+            <a:ext cx="2343544" cy="4406723"/>
+            <a:chOff x="7705331" y="633704"/>
+            <a:chExt cx="2343544" cy="4406723"/>
+          </a:xfrm>
+        </p:grpSpPr>
+        <p:cxnSp>
+          <p:nvCxnSpPr>
+            <p:cNvPr id="73" name="直線接點 72">
+              <a:extLst>
+                <a:ext uri="{FF2B5EF4-FFF2-40B4-BE49-F238E27FC236}">
+                  <a16:creationId xmlns:a16="http://schemas.microsoft.com/office/drawing/2014/main" id="{707CDE72-BF37-42BC-B3DD-26EB94BBAA07}"/>
+                </a:ext>
+              </a:extLst>
+            </p:cNvPr>
+            <p:cNvCxnSpPr>
+              <a:stCxn id="61" idx="3"/>
+            </p:cNvCxnSpPr>
+            <p:nvPr/>
+          </p:nvCxnSpPr>
+          <p:spPr>
+            <a:xfrm flipV="1">
+              <a:off x="7705331" y="5035550"/>
+              <a:ext cx="1432319" cy="4877"/>
+            </a:xfrm>
+            <a:prstGeom prst="line">
+              <a:avLst/>
+            </a:prstGeom>
+            <a:ln w="9525">
+              <a:solidFill>
+                <a:srgbClr val="FF0000"/>
+              </a:solidFill>
+            </a:ln>
+          </p:spPr>
+          <p:style>
+            <a:lnRef idx="1">
+              <a:schemeClr val="accent1"/>
+            </a:lnRef>
+            <a:fillRef idx="0">
+              <a:schemeClr val="accent1"/>
+            </a:fillRef>
+            <a:effectRef idx="0">
+              <a:schemeClr val="accent1"/>
+            </a:effectRef>
+            <a:fontRef idx="minor">
+              <a:schemeClr val="tx1"/>
+            </a:fontRef>
+          </p:style>
+        </p:cxnSp>
+        <p:cxnSp>
+          <p:nvCxnSpPr>
+            <p:cNvPr id="79" name="直線接點 78">
+              <a:extLst>
+                <a:ext uri="{FF2B5EF4-FFF2-40B4-BE49-F238E27FC236}">
+                  <a16:creationId xmlns:a16="http://schemas.microsoft.com/office/drawing/2014/main" id="{FF0FB02B-F8F2-4548-8748-830CB6880766}"/>
+                </a:ext>
+              </a:extLst>
+            </p:cNvPr>
+            <p:cNvCxnSpPr>
+              <a:cxnSpLocks/>
+            </p:cNvCxnSpPr>
+            <p:nvPr/>
+          </p:nvCxnSpPr>
+          <p:spPr>
+            <a:xfrm flipH="1" flipV="1">
+              <a:off x="9102756" y="1060531"/>
+              <a:ext cx="34895" cy="3975019"/>
+            </a:xfrm>
+            <a:prstGeom prst="line">
+              <a:avLst/>
+            </a:prstGeom>
+            <a:ln w="9525">
+              <a:solidFill>
+                <a:srgbClr val="FF0000"/>
+              </a:solidFill>
+            </a:ln>
+          </p:spPr>
+          <p:style>
+            <a:lnRef idx="1">
+              <a:schemeClr val="accent1"/>
+            </a:lnRef>
+            <a:fillRef idx="0">
+              <a:schemeClr val="accent1"/>
+            </a:fillRef>
+            <a:effectRef idx="0">
+              <a:schemeClr val="accent1"/>
+            </a:effectRef>
+            <a:fontRef idx="minor">
+              <a:schemeClr val="tx1"/>
+            </a:fontRef>
+          </p:style>
+        </p:cxnSp>
+        <p:cxnSp>
+          <p:nvCxnSpPr>
+            <p:cNvPr id="83" name="直線接點 82">
+              <a:extLst>
+                <a:ext uri="{FF2B5EF4-FFF2-40B4-BE49-F238E27FC236}">
+                  <a16:creationId xmlns:a16="http://schemas.microsoft.com/office/drawing/2014/main" id="{3C544EFE-EC82-49F3-AB19-BF6D7E57B1ED}"/>
+                </a:ext>
+              </a:extLst>
+            </p:cNvPr>
+            <p:cNvCxnSpPr>
+              <a:cxnSpLocks/>
+            </p:cNvCxnSpPr>
+            <p:nvPr/>
+          </p:nvCxnSpPr>
+          <p:spPr>
+            <a:xfrm flipH="1">
+              <a:off x="9102756" y="1060531"/>
+              <a:ext cx="650844" cy="0"/>
+            </a:xfrm>
+            <a:prstGeom prst="line">
+              <a:avLst/>
+            </a:prstGeom>
+            <a:ln w="9525">
+              <a:solidFill>
+                <a:srgbClr val="FF0000"/>
+              </a:solidFill>
+            </a:ln>
+          </p:spPr>
+          <p:style>
+            <a:lnRef idx="1">
+              <a:schemeClr val="accent1"/>
+            </a:lnRef>
+            <a:fillRef idx="0">
+              <a:schemeClr val="accent1"/>
+            </a:fillRef>
+            <a:effectRef idx="0">
+              <a:schemeClr val="accent1"/>
+            </a:effectRef>
+            <a:fontRef idx="minor">
+              <a:schemeClr val="tx1"/>
+            </a:fontRef>
+          </p:style>
+        </p:cxnSp>
+        <p:cxnSp>
+          <p:nvCxnSpPr>
+            <p:cNvPr id="86" name="直線接點 85">
+              <a:extLst>
+                <a:ext uri="{FF2B5EF4-FFF2-40B4-BE49-F238E27FC236}">
+                  <a16:creationId xmlns:a16="http://schemas.microsoft.com/office/drawing/2014/main" id="{4492B1D2-3FAF-4745-80D5-CDE7797ADFE1}"/>
+                </a:ext>
+              </a:extLst>
+            </p:cNvPr>
+            <p:cNvCxnSpPr>
+              <a:cxnSpLocks/>
+            </p:cNvCxnSpPr>
+            <p:nvPr/>
+          </p:nvCxnSpPr>
+          <p:spPr>
+            <a:xfrm>
+              <a:off x="9750456" y="633704"/>
+              <a:ext cx="0" cy="426827"/>
+            </a:xfrm>
+            <a:prstGeom prst="line">
+              <a:avLst/>
+            </a:prstGeom>
+            <a:ln w="9525">
+              <a:solidFill>
+                <a:srgbClr val="FF0000"/>
+              </a:solidFill>
+            </a:ln>
+          </p:spPr>
+          <p:style>
+            <a:lnRef idx="1">
+              <a:schemeClr val="accent1"/>
+            </a:lnRef>
+            <a:fillRef idx="0">
+              <a:schemeClr val="accent1"/>
+            </a:fillRef>
+            <a:effectRef idx="0">
+              <a:schemeClr val="accent1"/>
+            </a:effectRef>
+            <a:fontRef idx="minor">
+              <a:schemeClr val="tx1"/>
+            </a:fontRef>
+          </p:style>
+        </p:cxnSp>
+        <p:cxnSp>
+          <p:nvCxnSpPr>
+            <p:cNvPr id="89" name="直線接點 88">
+              <a:extLst>
+                <a:ext uri="{FF2B5EF4-FFF2-40B4-BE49-F238E27FC236}">
+                  <a16:creationId xmlns:a16="http://schemas.microsoft.com/office/drawing/2014/main" id="{E8AADF0E-3017-4DDB-92CE-50275C8515E1}"/>
+                </a:ext>
+              </a:extLst>
+            </p:cNvPr>
+            <p:cNvCxnSpPr>
+              <a:cxnSpLocks/>
+              <a:endCxn id="71" idx="1"/>
+            </p:cNvCxnSpPr>
+            <p:nvPr/>
+          </p:nvCxnSpPr>
+          <p:spPr>
+            <a:xfrm>
+              <a:off x="9750456" y="633704"/>
+              <a:ext cx="298419" cy="0"/>
+            </a:xfrm>
+            <a:prstGeom prst="line">
+              <a:avLst/>
+            </a:prstGeom>
+            <a:ln w="9525">
+              <a:solidFill>
+                <a:srgbClr val="FF0000"/>
+              </a:solidFill>
+              <a:tailEnd type="triangle"/>
+            </a:ln>
+          </p:spPr>
+          <p:style>
+            <a:lnRef idx="1">
+              <a:schemeClr val="accent1"/>
+            </a:lnRef>
+            <a:fillRef idx="0">
+              <a:schemeClr val="accent1"/>
+            </a:fillRef>
+            <a:effectRef idx="0">
+              <a:schemeClr val="accent1"/>
+            </a:effectRef>
+            <a:fontRef idx="minor">
+              <a:schemeClr val="tx1"/>
+            </a:fontRef>
+          </p:style>
+        </p:cxnSp>
+      </p:grpSp>
+      <p:sp>
+        <p:nvSpPr>
+          <p:cNvPr id="95" name="矩形 94">
+            <a:extLst>
+              <a:ext uri="{FF2B5EF4-FFF2-40B4-BE49-F238E27FC236}">
+                <a16:creationId xmlns:a16="http://schemas.microsoft.com/office/drawing/2014/main" id="{7FF814CF-A94A-44E9-A9B0-5CCEA349A546}"/>
+              </a:ext>
+            </a:extLst>
+          </p:cNvPr>
+          <p:cNvSpPr/>
+          <p:nvPr/>
+        </p:nvSpPr>
+        <p:spPr>
+          <a:xfrm>
+            <a:off x="6837760" y="5101030"/>
+            <a:ext cx="1148953" cy="119798"/>
+          </a:xfrm>
+          <a:prstGeom prst="rect">
+            <a:avLst/>
+          </a:prstGeom>
+          <a:noFill/>
+          <a:ln w="9525">
+            <a:solidFill>
+              <a:srgbClr val="FF0000"/>
+            </a:solidFill>
+          </a:ln>
+        </p:spPr>
+        <p:style>
+          <a:lnRef idx="2">
+            <a:schemeClr val="accent1">
+              <a:shade val="50000"/>
+            </a:schemeClr>
+          </a:lnRef>
+          <a:fillRef idx="1">
+            <a:schemeClr val="accent1"/>
+          </a:fillRef>
+          <a:effectRef idx="0">
+            <a:schemeClr val="accent1"/>
+          </a:effectRef>
+          <a:fontRef idx="minor">
+            <a:schemeClr val="lt1"/>
+          </a:fontRef>
+        </p:style>
+        <p:txBody>
+          <a:bodyPr rtlCol="0" anchor="ctr"/>
+          <a:lstStyle/>
+          <a:p>
+            <a:pPr algn="ctr"/>
+            <a:endParaRPr lang="zh-TW" altLang="en-US"/>
+          </a:p>
+        </p:txBody>
+      </p:sp>
+      <p:sp>
+        <p:nvSpPr>
+          <p:cNvPr id="96" name="矩形 95">
+            <a:extLst>
+              <a:ext uri="{FF2B5EF4-FFF2-40B4-BE49-F238E27FC236}">
+                <a16:creationId xmlns:a16="http://schemas.microsoft.com/office/drawing/2014/main" id="{2BD15D6E-0AF2-4564-87D9-97FC363E4287}"/>
+              </a:ext>
+            </a:extLst>
+          </p:cNvPr>
+          <p:cNvSpPr/>
+          <p:nvPr/>
+        </p:nvSpPr>
+        <p:spPr>
+          <a:xfrm>
+            <a:off x="10622756" y="2363363"/>
+            <a:ext cx="388144" cy="119798"/>
+          </a:xfrm>
+          <a:prstGeom prst="rect">
+            <a:avLst/>
+          </a:prstGeom>
+          <a:noFill/>
+          <a:ln w="9525">
+            <a:solidFill>
+              <a:srgbClr val="FF0000"/>
+            </a:solidFill>
+          </a:ln>
+        </p:spPr>
+        <p:style>
+          <a:lnRef idx="2">
+            <a:schemeClr val="accent1">
+              <a:shade val="50000"/>
+            </a:schemeClr>
+          </a:lnRef>
+          <a:fillRef idx="1">
+            <a:schemeClr val="accent1"/>
+          </a:fillRef>
+          <a:effectRef idx="0">
+            <a:schemeClr val="accent1"/>
+          </a:effectRef>
+          <a:fontRef idx="minor">
+            <a:schemeClr val="lt1"/>
+          </a:fontRef>
+        </p:style>
+        <p:txBody>
+          <a:bodyPr rtlCol="0" anchor="ctr"/>
+          <a:lstStyle/>
+          <a:p>
+            <a:pPr algn="ctr"/>
+            <a:endParaRPr lang="zh-TW" altLang="en-US"/>
+          </a:p>
+        </p:txBody>
+      </p:sp>
+      <p:cxnSp>
+        <p:nvCxnSpPr>
+          <p:cNvPr id="102" name="接點: 肘形 101">
+            <a:extLst>
+              <a:ext uri="{FF2B5EF4-FFF2-40B4-BE49-F238E27FC236}">
+                <a16:creationId xmlns:a16="http://schemas.microsoft.com/office/drawing/2014/main" id="{7F1F389A-7B70-4831-8BC8-035A52B67A3E}"/>
+              </a:ext>
+            </a:extLst>
+          </p:cNvPr>
+          <p:cNvCxnSpPr>
+            <a:stCxn id="95" idx="3"/>
+            <a:endCxn id="96" idx="2"/>
+          </p:cNvCxnSpPr>
+          <p:nvPr/>
+        </p:nvCxnSpPr>
+        <p:spPr>
+          <a:xfrm flipV="1">
+            <a:off x="7986713" y="2483161"/>
+            <a:ext cx="2830115" cy="2677768"/>
+          </a:xfrm>
+          <a:prstGeom prst="bentConnector2">
+            <a:avLst/>
+          </a:prstGeom>
+          <a:ln w="9525">
+            <a:solidFill>
+              <a:srgbClr val="FF0000"/>
+            </a:solidFill>
+            <a:tailEnd type="triangle"/>
+          </a:ln>
+        </p:spPr>
+        <p:style>
+          <a:lnRef idx="1">
+            <a:schemeClr val="accent1"/>
+          </a:lnRef>
+          <a:fillRef idx="0">
+            <a:schemeClr val="accent1"/>
+          </a:fillRef>
+          <a:effectRef idx="0">
+            <a:schemeClr val="accent1"/>
+          </a:effectRef>
+          <a:fontRef idx="minor">
+            <a:schemeClr val="tx1"/>
+          </a:fontRef>
+        </p:style>
+      </p:cxnSp>
+      <p:sp>
+        <p:nvSpPr>
+          <p:cNvPr id="103" name="矩形 102">
+            <a:extLst>
+              <a:ext uri="{FF2B5EF4-FFF2-40B4-BE49-F238E27FC236}">
+                <a16:creationId xmlns:a16="http://schemas.microsoft.com/office/drawing/2014/main" id="{E55A5AC1-2D9D-4F2B-B770-4177F7FC189C}"/>
+              </a:ext>
+            </a:extLst>
+          </p:cNvPr>
+          <p:cNvSpPr/>
+          <p:nvPr/>
+        </p:nvSpPr>
+        <p:spPr>
+          <a:xfrm>
+            <a:off x="10808888" y="1127132"/>
+            <a:ext cx="388144" cy="73334"/>
+          </a:xfrm>
+          <a:prstGeom prst="rect">
+            <a:avLst/>
+          </a:prstGeom>
+          <a:noFill/>
+          <a:ln w="9525">
+            <a:solidFill>
+              <a:srgbClr val="FF0000"/>
+            </a:solidFill>
+          </a:ln>
+        </p:spPr>
+        <p:style>
+          <a:lnRef idx="2">
+            <a:schemeClr val="accent1">
+              <a:shade val="50000"/>
+            </a:schemeClr>
+          </a:lnRef>
+          <a:fillRef idx="1">
+            <a:schemeClr val="accent1"/>
+          </a:fillRef>
+          <a:effectRef idx="0">
+            <a:schemeClr val="accent1"/>
+          </a:effectRef>
+          <a:fontRef idx="minor">
+            <a:schemeClr val="lt1"/>
+          </a:fontRef>
+        </p:style>
+        <p:txBody>
+          <a:bodyPr rtlCol="0" anchor="ctr"/>
+          <a:lstStyle/>
+          <a:p>
+            <a:pPr algn="ctr"/>
+            <a:endParaRPr lang="zh-TW" altLang="en-US"/>
+          </a:p>
+        </p:txBody>
+      </p:sp>
+      <p:cxnSp>
+        <p:nvCxnSpPr>
+          <p:cNvPr id="105" name="接點: 肘形 104">
+            <a:extLst>
+              <a:ext uri="{FF2B5EF4-FFF2-40B4-BE49-F238E27FC236}">
+                <a16:creationId xmlns:a16="http://schemas.microsoft.com/office/drawing/2014/main" id="{9829E921-DF75-4730-BF14-8E432086D8AD}"/>
+              </a:ext>
+            </a:extLst>
+          </p:cNvPr>
+          <p:cNvCxnSpPr>
+            <a:cxnSpLocks/>
+            <a:stCxn id="95" idx="3"/>
+            <a:endCxn id="103" idx="0"/>
+          </p:cNvCxnSpPr>
+          <p:nvPr/>
+        </p:nvCxnSpPr>
+        <p:spPr>
+          <a:xfrm flipV="1">
+            <a:off x="7986713" y="1127132"/>
+            <a:ext cx="3016247" cy="4033797"/>
+          </a:xfrm>
+          <a:prstGeom prst="bentConnector4">
+            <a:avLst>
+              <a:gd name="adj1" fmla="val 46783"/>
+              <a:gd name="adj2" fmla="val 108560"/>
+            </a:avLst>
+          </a:prstGeom>
+          <a:ln w="9525">
+            <a:solidFill>
+              <a:srgbClr val="FF0000"/>
+            </a:solidFill>
+            <a:tailEnd type="triangle"/>
+          </a:ln>
+        </p:spPr>
+        <p:style>
+          <a:lnRef idx="1">
+            <a:schemeClr val="accent1"/>
+          </a:lnRef>
+          <a:fillRef idx="0">
+            <a:schemeClr val="accent1"/>
+          </a:fillRef>
+          <a:effectRef idx="0">
+            <a:schemeClr val="accent1"/>
+          </a:effectRef>
+          <a:fontRef idx="minor">
+            <a:schemeClr val="tx1"/>
+          </a:fontRef>
+        </p:style>
+      </p:cxnSp>
+      <p:sp>
+        <p:nvSpPr>
+          <p:cNvPr id="111" name="矩形 110">
+            <a:extLst>
+              <a:ext uri="{FF2B5EF4-FFF2-40B4-BE49-F238E27FC236}">
+                <a16:creationId xmlns:a16="http://schemas.microsoft.com/office/drawing/2014/main" id="{D8389952-58D5-45A7-AD34-CF5E1867D1D5}"/>
+              </a:ext>
+            </a:extLst>
+          </p:cNvPr>
+          <p:cNvSpPr/>
+          <p:nvPr/>
+        </p:nvSpPr>
+        <p:spPr>
+          <a:xfrm>
+            <a:off x="6837760" y="5221532"/>
+            <a:ext cx="1148953" cy="119798"/>
+          </a:xfrm>
+          <a:prstGeom prst="rect">
+            <a:avLst/>
+          </a:prstGeom>
+          <a:noFill/>
+          <a:ln w="9525">
+            <a:solidFill>
+              <a:srgbClr val="FF0000"/>
+            </a:solidFill>
+          </a:ln>
+        </p:spPr>
+        <p:style>
+          <a:lnRef idx="2">
+            <a:schemeClr val="accent1">
+              <a:shade val="50000"/>
+            </a:schemeClr>
+          </a:lnRef>
+          <a:fillRef idx="1">
+            <a:schemeClr val="accent1"/>
+          </a:fillRef>
+          <a:effectRef idx="0">
+            <a:schemeClr val="accent1"/>
+          </a:effectRef>
+          <a:fontRef idx="minor">
+            <a:schemeClr val="lt1"/>
+          </a:fontRef>
+        </p:style>
+        <p:txBody>
+          <a:bodyPr rtlCol="0" anchor="ctr"/>
+          <a:lstStyle/>
+          <a:p>
+            <a:pPr algn="ctr"/>
+            <a:endParaRPr lang="zh-TW" altLang="en-US"/>
+          </a:p>
+        </p:txBody>
+      </p:sp>
+      <p:sp>
+        <p:nvSpPr>
+          <p:cNvPr id="112" name="矩形 111">
+            <a:extLst>
+              <a:ext uri="{FF2B5EF4-FFF2-40B4-BE49-F238E27FC236}">
+                <a16:creationId xmlns:a16="http://schemas.microsoft.com/office/drawing/2014/main" id="{A255D9F0-D746-4B5B-9AEF-64E27B0C9BCC}"/>
+              </a:ext>
+            </a:extLst>
+          </p:cNvPr>
+          <p:cNvSpPr/>
+          <p:nvPr/>
+        </p:nvSpPr>
+        <p:spPr>
+          <a:xfrm>
+            <a:off x="6837760" y="5341330"/>
+            <a:ext cx="1148953" cy="119798"/>
+          </a:xfrm>
+          <a:prstGeom prst="rect">
+            <a:avLst/>
+          </a:prstGeom>
+          <a:noFill/>
+          <a:ln w="9525">
+            <a:solidFill>
+              <a:srgbClr val="FF0000"/>
+            </a:solidFill>
+          </a:ln>
+        </p:spPr>
+        <p:style>
+          <a:lnRef idx="2">
+            <a:schemeClr val="accent1">
+              <a:shade val="50000"/>
+            </a:schemeClr>
+          </a:lnRef>
+          <a:fillRef idx="1">
+            <a:schemeClr val="accent1"/>
+          </a:fillRef>
+          <a:effectRef idx="0">
+            <a:schemeClr val="accent1"/>
+          </a:effectRef>
+          <a:fontRef idx="minor">
+            <a:schemeClr val="lt1"/>
+          </a:fontRef>
+        </p:style>
+        <p:txBody>
+          <a:bodyPr rtlCol="0" anchor="ctr"/>
+          <a:lstStyle/>
+          <a:p>
+            <a:pPr algn="ctr"/>
+            <a:endParaRPr lang="zh-TW" altLang="en-US"/>
+          </a:p>
+        </p:txBody>
+      </p:sp>
+      <p:sp>
+        <p:nvSpPr>
+          <p:cNvPr id="113" name="矩形 112">
+            <a:extLst>
+              <a:ext uri="{FF2B5EF4-FFF2-40B4-BE49-F238E27FC236}">
+                <a16:creationId xmlns:a16="http://schemas.microsoft.com/office/drawing/2014/main" id="{267C0CB7-2067-46B4-ABB0-6E972E07F327}"/>
+              </a:ext>
+            </a:extLst>
+          </p:cNvPr>
+          <p:cNvSpPr/>
+          <p:nvPr/>
+        </p:nvSpPr>
+        <p:spPr>
+          <a:xfrm>
+            <a:off x="6837760" y="5460997"/>
+            <a:ext cx="1148953" cy="119798"/>
+          </a:xfrm>
+          <a:prstGeom prst="rect">
+            <a:avLst/>
+          </a:prstGeom>
+          <a:noFill/>
+          <a:ln w="9525">
+            <a:solidFill>
+              <a:srgbClr val="FF0000"/>
+            </a:solidFill>
+          </a:ln>
+        </p:spPr>
+        <p:style>
+          <a:lnRef idx="2">
+            <a:schemeClr val="accent1">
+              <a:shade val="50000"/>
+            </a:schemeClr>
+          </a:lnRef>
+          <a:fillRef idx="1">
+            <a:schemeClr val="accent1"/>
+          </a:fillRef>
+          <a:effectRef idx="0">
+            <a:schemeClr val="accent1"/>
+          </a:effectRef>
+          <a:fontRef idx="minor">
+            <a:schemeClr val="lt1"/>
+          </a:fontRef>
+        </p:style>
+        <p:txBody>
+          <a:bodyPr rtlCol="0" anchor="ctr"/>
+          <a:lstStyle/>
+          <a:p>
+            <a:pPr algn="ctr"/>
+            <a:endParaRPr lang="zh-TW" altLang="en-US"/>
+          </a:p>
+        </p:txBody>
+      </p:sp>
+      <p:sp>
+        <p:nvSpPr>
+          <p:cNvPr id="114" name="矩形 113">
+            <a:extLst>
+              <a:ext uri="{FF2B5EF4-FFF2-40B4-BE49-F238E27FC236}">
+                <a16:creationId xmlns:a16="http://schemas.microsoft.com/office/drawing/2014/main" id="{1997FA8D-3114-4173-A09D-FDDE183A2C7E}"/>
+              </a:ext>
+            </a:extLst>
+          </p:cNvPr>
+          <p:cNvSpPr/>
+          <p:nvPr/>
+        </p:nvSpPr>
+        <p:spPr>
+          <a:xfrm>
+            <a:off x="6837760" y="5580795"/>
+            <a:ext cx="1148953" cy="119798"/>
+          </a:xfrm>
+          <a:prstGeom prst="rect">
+            <a:avLst/>
+          </a:prstGeom>
+          <a:noFill/>
+          <a:ln w="9525">
+            <a:solidFill>
+              <a:srgbClr val="FF0000"/>
+            </a:solidFill>
+          </a:ln>
+        </p:spPr>
+        <p:style>
+          <a:lnRef idx="2">
+            <a:schemeClr val="accent1">
+              <a:shade val="50000"/>
+            </a:schemeClr>
+          </a:lnRef>
+          <a:fillRef idx="1">
+            <a:schemeClr val="accent1"/>
+          </a:fillRef>
+          <a:effectRef idx="0">
+            <a:schemeClr val="accent1"/>
+          </a:effectRef>
+          <a:fontRef idx="minor">
+            <a:schemeClr val="lt1"/>
+          </a:fontRef>
+        </p:style>
+        <p:txBody>
+          <a:bodyPr rtlCol="0" anchor="ctr"/>
+          <a:lstStyle/>
+          <a:p>
+            <a:pPr algn="ctr"/>
+            <a:endParaRPr lang="zh-TW" altLang="en-US"/>
+          </a:p>
+        </p:txBody>
+      </p:sp>
+      <p:sp>
+        <p:nvSpPr>
+          <p:cNvPr id="115" name="矩形 114">
+            <a:extLst>
+              <a:ext uri="{FF2B5EF4-FFF2-40B4-BE49-F238E27FC236}">
+                <a16:creationId xmlns:a16="http://schemas.microsoft.com/office/drawing/2014/main" id="{DB901AD0-DDDD-43BD-BAD5-E6E4B242E7C1}"/>
+              </a:ext>
+            </a:extLst>
+          </p:cNvPr>
+          <p:cNvSpPr/>
+          <p:nvPr/>
+        </p:nvSpPr>
+        <p:spPr>
+          <a:xfrm>
+            <a:off x="6837760" y="5700462"/>
+            <a:ext cx="1148953" cy="119798"/>
+          </a:xfrm>
+          <a:prstGeom prst="rect">
+            <a:avLst/>
+          </a:prstGeom>
+          <a:noFill/>
+          <a:ln w="9525">
+            <a:solidFill>
+              <a:srgbClr val="FF0000"/>
+            </a:solidFill>
+          </a:ln>
+        </p:spPr>
+        <p:style>
+          <a:lnRef idx="2">
+            <a:schemeClr val="accent1">
+              <a:shade val="50000"/>
+            </a:schemeClr>
+          </a:lnRef>
+          <a:fillRef idx="1">
+            <a:schemeClr val="accent1"/>
+          </a:fillRef>
+          <a:effectRef idx="0">
+            <a:schemeClr val="accent1"/>
+          </a:effectRef>
+          <a:fontRef idx="minor">
+            <a:schemeClr val="lt1"/>
+          </a:fontRef>
+        </p:style>
+        <p:txBody>
+          <a:bodyPr rtlCol="0" anchor="ctr"/>
+          <a:lstStyle/>
+          <a:p>
+            <a:pPr algn="ctr"/>
+            <a:endParaRPr lang="zh-TW" altLang="en-US"/>
+          </a:p>
+        </p:txBody>
+      </p:sp>
+      <p:sp>
+        <p:nvSpPr>
+          <p:cNvPr id="116" name="矩形 115">
+            <a:extLst>
+              <a:ext uri="{FF2B5EF4-FFF2-40B4-BE49-F238E27FC236}">
+                <a16:creationId xmlns:a16="http://schemas.microsoft.com/office/drawing/2014/main" id="{A25439ED-2373-49EC-AD2C-B1BBCB4ED4ED}"/>
+              </a:ext>
+            </a:extLst>
+          </p:cNvPr>
+          <p:cNvSpPr/>
+          <p:nvPr/>
+        </p:nvSpPr>
+        <p:spPr>
+          <a:xfrm>
+            <a:off x="6837760" y="5821467"/>
+            <a:ext cx="1148953" cy="119798"/>
+          </a:xfrm>
+          <a:prstGeom prst="rect">
+            <a:avLst/>
+          </a:prstGeom>
+          <a:noFill/>
+          <a:ln w="9525">
+            <a:solidFill>
+              <a:srgbClr val="FF0000"/>
+            </a:solidFill>
+          </a:ln>
+        </p:spPr>
+        <p:style>
+          <a:lnRef idx="2">
+            <a:schemeClr val="accent1">
+              <a:shade val="50000"/>
+            </a:schemeClr>
+          </a:lnRef>
+          <a:fillRef idx="1">
+            <a:schemeClr val="accent1"/>
+          </a:fillRef>
+          <a:effectRef idx="0">
+            <a:schemeClr val="accent1"/>
+          </a:effectRef>
+          <a:fontRef idx="minor">
+            <a:schemeClr val="lt1"/>
+          </a:fontRef>
+        </p:style>
+        <p:txBody>
+          <a:bodyPr rtlCol="0" anchor="ctr"/>
+          <a:lstStyle/>
+          <a:p>
+            <a:pPr algn="ctr"/>
+            <a:endParaRPr lang="zh-TW" altLang="en-US"/>
+          </a:p>
+        </p:txBody>
+      </p:sp>
+      <p:sp>
+        <p:nvSpPr>
+          <p:cNvPr id="117" name="矩形 116">
+            <a:extLst>
+              <a:ext uri="{FF2B5EF4-FFF2-40B4-BE49-F238E27FC236}">
+                <a16:creationId xmlns:a16="http://schemas.microsoft.com/office/drawing/2014/main" id="{2F3160DC-2305-4884-9FE6-91375AA47915}"/>
+              </a:ext>
+            </a:extLst>
+          </p:cNvPr>
+          <p:cNvSpPr/>
+          <p:nvPr/>
+        </p:nvSpPr>
+        <p:spPr>
+          <a:xfrm>
+            <a:off x="6837760" y="5939927"/>
+            <a:ext cx="1148953" cy="119798"/>
+          </a:xfrm>
+          <a:prstGeom prst="rect">
+            <a:avLst/>
+          </a:prstGeom>
+          <a:noFill/>
+          <a:ln w="9525">
+            <a:solidFill>
+              <a:srgbClr val="FF0000"/>
+            </a:solidFill>
+          </a:ln>
+        </p:spPr>
+        <p:style>
+          <a:lnRef idx="2">
+            <a:schemeClr val="accent1">
+              <a:shade val="50000"/>
+            </a:schemeClr>
+          </a:lnRef>
+          <a:fillRef idx="1">
+            <a:schemeClr val="accent1"/>
+          </a:fillRef>
+          <a:effectRef idx="0">
+            <a:schemeClr val="accent1"/>
+          </a:effectRef>
+          <a:fontRef idx="minor">
+            <a:schemeClr val="lt1"/>
+          </a:fontRef>
+        </p:style>
+        <p:txBody>
+          <a:bodyPr rtlCol="0" anchor="ctr"/>
+          <a:lstStyle/>
+          <a:p>
+            <a:pPr algn="ctr"/>
+            <a:endParaRPr lang="zh-TW" altLang="en-US"/>
+          </a:p>
+        </p:txBody>
+      </p:sp>
+      <p:sp>
+        <p:nvSpPr>
+          <p:cNvPr id="118" name="矩形 117">
+            <a:extLst>
+              <a:ext uri="{FF2B5EF4-FFF2-40B4-BE49-F238E27FC236}">
+                <a16:creationId xmlns:a16="http://schemas.microsoft.com/office/drawing/2014/main" id="{C1C63B50-1C53-4325-A57E-2F1D3EBB7C19}"/>
+              </a:ext>
+            </a:extLst>
+          </p:cNvPr>
+          <p:cNvSpPr/>
+          <p:nvPr/>
+        </p:nvSpPr>
+        <p:spPr>
+          <a:xfrm>
+            <a:off x="6837759" y="6058387"/>
+            <a:ext cx="1148953" cy="119798"/>
+          </a:xfrm>
+          <a:prstGeom prst="rect">
+            <a:avLst/>
+          </a:prstGeom>
+          <a:noFill/>
+          <a:ln w="9525">
+            <a:solidFill>
+              <a:srgbClr val="FF0000"/>
+            </a:solidFill>
+          </a:ln>
+        </p:spPr>
+        <p:style>
+          <a:lnRef idx="2">
+            <a:schemeClr val="accent1">
+              <a:shade val="50000"/>
+            </a:schemeClr>
+          </a:lnRef>
+          <a:fillRef idx="1">
+            <a:schemeClr val="accent1"/>
+          </a:fillRef>
+          <a:effectRef idx="0">
+            <a:schemeClr val="accent1"/>
+          </a:effectRef>
+          <a:fontRef idx="minor">
+            <a:schemeClr val="lt1"/>
+          </a:fontRef>
+        </p:style>
+        <p:txBody>
+          <a:bodyPr rtlCol="0" anchor="ctr"/>
+          <a:lstStyle/>
+          <a:p>
+            <a:pPr algn="ctr"/>
+            <a:endParaRPr lang="zh-TW" altLang="en-US"/>
+          </a:p>
+        </p:txBody>
+      </p:sp>
+      <p:sp>
+        <p:nvSpPr>
+          <p:cNvPr id="119" name="矩形 118">
+            <a:extLst>
+              <a:ext uri="{FF2B5EF4-FFF2-40B4-BE49-F238E27FC236}">
+                <a16:creationId xmlns:a16="http://schemas.microsoft.com/office/drawing/2014/main" id="{C6CE19C6-7D8C-46CC-9C06-1D1D047069AC}"/>
+              </a:ext>
+            </a:extLst>
+          </p:cNvPr>
+          <p:cNvSpPr/>
+          <p:nvPr/>
+        </p:nvSpPr>
+        <p:spPr>
+          <a:xfrm>
+            <a:off x="10245637" y="1236540"/>
+            <a:ext cx="920044" cy="83724"/>
+          </a:xfrm>
+          <a:prstGeom prst="rect">
+            <a:avLst/>
+          </a:prstGeom>
+          <a:noFill/>
+          <a:ln w="9525">
+            <a:solidFill>
+              <a:srgbClr val="FF0000"/>
+            </a:solidFill>
+          </a:ln>
+        </p:spPr>
+        <p:style>
+          <a:lnRef idx="2">
+            <a:schemeClr val="accent1">
+              <a:shade val="50000"/>
+            </a:schemeClr>
+          </a:lnRef>
+          <a:fillRef idx="1">
+            <a:schemeClr val="accent1"/>
+          </a:fillRef>
+          <a:effectRef idx="0">
+            <a:schemeClr val="accent1"/>
+          </a:effectRef>
+          <a:fontRef idx="minor">
+            <a:schemeClr val="lt1"/>
+          </a:fontRef>
+        </p:style>
+        <p:txBody>
+          <a:bodyPr rtlCol="0" anchor="ctr"/>
+          <a:lstStyle/>
+          <a:p>
+            <a:pPr algn="ctr"/>
+            <a:endParaRPr lang="zh-TW" altLang="en-US"/>
+          </a:p>
+        </p:txBody>
+      </p:sp>
+      <p:sp>
+        <p:nvSpPr>
+          <p:cNvPr id="123" name="矩形 122">
+            <a:extLst>
+              <a:ext uri="{FF2B5EF4-FFF2-40B4-BE49-F238E27FC236}">
+                <a16:creationId xmlns:a16="http://schemas.microsoft.com/office/drawing/2014/main" id="{5EA2648A-6841-49AA-B93F-9BBCFF1CB562}"/>
+              </a:ext>
+            </a:extLst>
+          </p:cNvPr>
+          <p:cNvSpPr/>
+          <p:nvPr/>
+        </p:nvSpPr>
+        <p:spPr>
+          <a:xfrm>
+            <a:off x="10137258" y="1321088"/>
+            <a:ext cx="968891" cy="83724"/>
+          </a:xfrm>
+          <a:prstGeom prst="rect">
+            <a:avLst/>
+          </a:prstGeom>
+          <a:noFill/>
+          <a:ln w="9525">
+            <a:solidFill>
+              <a:srgbClr val="FF0000"/>
+            </a:solidFill>
+          </a:ln>
+        </p:spPr>
+        <p:style>
+          <a:lnRef idx="2">
+            <a:schemeClr val="accent1">
+              <a:shade val="50000"/>
+            </a:schemeClr>
+          </a:lnRef>
+          <a:fillRef idx="1">
+            <a:schemeClr val="accent1"/>
+          </a:fillRef>
+          <a:effectRef idx="0">
+            <a:schemeClr val="accent1"/>
+          </a:effectRef>
+          <a:fontRef idx="minor">
+            <a:schemeClr val="lt1"/>
+          </a:fontRef>
+        </p:style>
+        <p:txBody>
+          <a:bodyPr rtlCol="0" anchor="ctr"/>
+          <a:lstStyle/>
+          <a:p>
+            <a:pPr algn="ctr"/>
+            <a:endParaRPr lang="zh-TW" altLang="en-US"/>
+          </a:p>
+        </p:txBody>
+      </p:sp>
+      <p:sp>
+        <p:nvSpPr>
+          <p:cNvPr id="124" name="矩形 123">
+            <a:extLst>
+              <a:ext uri="{FF2B5EF4-FFF2-40B4-BE49-F238E27FC236}">
+                <a16:creationId xmlns:a16="http://schemas.microsoft.com/office/drawing/2014/main" id="{5766711B-73FA-403B-A118-19642AC64E68}"/>
+              </a:ext>
+            </a:extLst>
+          </p:cNvPr>
+          <p:cNvSpPr/>
+          <p:nvPr/>
+        </p:nvSpPr>
+        <p:spPr>
+          <a:xfrm>
+            <a:off x="10356076" y="1404800"/>
+            <a:ext cx="1279106" cy="97233"/>
+          </a:xfrm>
+          <a:prstGeom prst="rect">
+            <a:avLst/>
+          </a:prstGeom>
+          <a:noFill/>
+          <a:ln w="9525">
+            <a:solidFill>
+              <a:srgbClr val="FF0000"/>
+            </a:solidFill>
+          </a:ln>
+        </p:spPr>
+        <p:style>
+          <a:lnRef idx="2">
+            <a:schemeClr val="accent1">
+              <a:shade val="50000"/>
+            </a:schemeClr>
+          </a:lnRef>
+          <a:fillRef idx="1">
+            <a:schemeClr val="accent1"/>
+          </a:fillRef>
+          <a:effectRef idx="0">
+            <a:schemeClr val="accent1"/>
+          </a:effectRef>
+          <a:fontRef idx="minor">
+            <a:schemeClr val="lt1"/>
+          </a:fontRef>
+        </p:style>
+        <p:txBody>
+          <a:bodyPr rtlCol="0" anchor="ctr"/>
+          <a:lstStyle/>
+          <a:p>
+            <a:pPr algn="ctr"/>
+            <a:endParaRPr lang="zh-TW" altLang="en-US"/>
+          </a:p>
+        </p:txBody>
+      </p:sp>
+      <p:sp>
+        <p:nvSpPr>
+          <p:cNvPr id="125" name="矩形 124">
+            <a:extLst>
+              <a:ext uri="{FF2B5EF4-FFF2-40B4-BE49-F238E27FC236}">
+                <a16:creationId xmlns:a16="http://schemas.microsoft.com/office/drawing/2014/main" id="{4EE21F08-BFB1-42F6-8662-314324EDBFCB}"/>
+              </a:ext>
+            </a:extLst>
+          </p:cNvPr>
+          <p:cNvSpPr/>
+          <p:nvPr/>
+        </p:nvSpPr>
+        <p:spPr>
+          <a:xfrm>
+            <a:off x="10299909" y="1502033"/>
+            <a:ext cx="322847" cy="85219"/>
+          </a:xfrm>
+          <a:prstGeom prst="rect">
+            <a:avLst/>
+          </a:prstGeom>
+          <a:noFill/>
+          <a:ln w="9525">
+            <a:solidFill>
+              <a:srgbClr val="FF0000"/>
+            </a:solidFill>
+          </a:ln>
+        </p:spPr>
+        <p:style>
+          <a:lnRef idx="2">
+            <a:schemeClr val="accent1">
+              <a:shade val="50000"/>
+            </a:schemeClr>
+          </a:lnRef>
+          <a:fillRef idx="1">
+            <a:schemeClr val="accent1"/>
+          </a:fillRef>
+          <a:effectRef idx="0">
+            <a:schemeClr val="accent1"/>
+          </a:effectRef>
+          <a:fontRef idx="minor">
+            <a:schemeClr val="lt1"/>
+          </a:fontRef>
+        </p:style>
+        <p:txBody>
+          <a:bodyPr rtlCol="0" anchor="ctr"/>
+          <a:lstStyle/>
+          <a:p>
+            <a:pPr algn="ctr"/>
+            <a:endParaRPr lang="zh-TW" altLang="en-US"/>
+          </a:p>
+        </p:txBody>
+      </p:sp>
+      <p:sp>
+        <p:nvSpPr>
+          <p:cNvPr id="126" name="矩形 125">
+            <a:extLst>
+              <a:ext uri="{FF2B5EF4-FFF2-40B4-BE49-F238E27FC236}">
+                <a16:creationId xmlns:a16="http://schemas.microsoft.com/office/drawing/2014/main" id="{FDFB3617-B9F8-4B0B-B659-B4F440B7C510}"/>
+              </a:ext>
+            </a:extLst>
+          </p:cNvPr>
+          <p:cNvSpPr/>
+          <p:nvPr/>
+        </p:nvSpPr>
+        <p:spPr>
+          <a:xfrm>
+            <a:off x="10152380" y="1589071"/>
+            <a:ext cx="621294" cy="108000"/>
+          </a:xfrm>
+          <a:prstGeom prst="rect">
+            <a:avLst/>
+          </a:prstGeom>
+          <a:noFill/>
+          <a:ln w="9525">
+            <a:solidFill>
+              <a:srgbClr val="FF0000"/>
+            </a:solidFill>
+          </a:ln>
+        </p:spPr>
+        <p:style>
+          <a:lnRef idx="2">
+            <a:schemeClr val="accent1">
+              <a:shade val="50000"/>
+            </a:schemeClr>
+          </a:lnRef>
+          <a:fillRef idx="1">
+            <a:schemeClr val="accent1"/>
+          </a:fillRef>
+          <a:effectRef idx="0">
+            <a:schemeClr val="accent1"/>
+          </a:effectRef>
+          <a:fontRef idx="minor">
+            <a:schemeClr val="lt1"/>
+          </a:fontRef>
+        </p:style>
+        <p:txBody>
+          <a:bodyPr rtlCol="0" anchor="ctr"/>
+          <a:lstStyle/>
+          <a:p>
+            <a:pPr algn="ctr"/>
+            <a:endParaRPr lang="zh-TW" altLang="en-US"/>
+          </a:p>
+        </p:txBody>
+      </p:sp>
+      <p:sp>
+        <p:nvSpPr>
+          <p:cNvPr id="127" name="矩形 126">
+            <a:extLst>
+              <a:ext uri="{FF2B5EF4-FFF2-40B4-BE49-F238E27FC236}">
+                <a16:creationId xmlns:a16="http://schemas.microsoft.com/office/drawing/2014/main" id="{D9D086F0-BE7E-4F3C-A942-58291F82B3A6}"/>
+              </a:ext>
+            </a:extLst>
+          </p:cNvPr>
+          <p:cNvSpPr/>
+          <p:nvPr/>
+        </p:nvSpPr>
+        <p:spPr>
+          <a:xfrm>
+            <a:off x="10175081" y="1699436"/>
+            <a:ext cx="341394" cy="108000"/>
+          </a:xfrm>
+          <a:prstGeom prst="rect">
+            <a:avLst/>
+          </a:prstGeom>
+          <a:noFill/>
+          <a:ln w="9525">
+            <a:solidFill>
+              <a:srgbClr val="FF0000"/>
+            </a:solidFill>
+          </a:ln>
+        </p:spPr>
+        <p:style>
+          <a:lnRef idx="2">
+            <a:schemeClr val="accent1">
+              <a:shade val="50000"/>
+            </a:schemeClr>
+          </a:lnRef>
+          <a:fillRef idx="1">
+            <a:schemeClr val="accent1"/>
+          </a:fillRef>
+          <a:effectRef idx="0">
+            <a:schemeClr val="accent1"/>
+          </a:effectRef>
+          <a:fontRef idx="minor">
+            <a:schemeClr val="lt1"/>
+          </a:fontRef>
+        </p:style>
+        <p:txBody>
+          <a:bodyPr rtlCol="0" anchor="ctr"/>
+          <a:lstStyle/>
+          <a:p>
+            <a:pPr algn="ctr"/>
+            <a:endParaRPr lang="zh-TW" altLang="en-US"/>
+          </a:p>
+        </p:txBody>
+      </p:sp>
+      <p:sp>
+        <p:nvSpPr>
+          <p:cNvPr id="128" name="矩形 127">
+            <a:extLst>
+              <a:ext uri="{FF2B5EF4-FFF2-40B4-BE49-F238E27FC236}">
+                <a16:creationId xmlns:a16="http://schemas.microsoft.com/office/drawing/2014/main" id="{2F1191C0-0FA5-4F0A-BFF4-CD5F62C5BE77}"/>
+              </a:ext>
+            </a:extLst>
+          </p:cNvPr>
+          <p:cNvSpPr/>
+          <p:nvPr/>
+        </p:nvSpPr>
+        <p:spPr>
+          <a:xfrm>
+            <a:off x="10147771" y="1810030"/>
+            <a:ext cx="301553" cy="68814"/>
+          </a:xfrm>
+          <a:prstGeom prst="rect">
+            <a:avLst/>
+          </a:prstGeom>
+          <a:noFill/>
+          <a:ln w="9525">
+            <a:solidFill>
+              <a:srgbClr val="FF0000"/>
+            </a:solidFill>
+          </a:ln>
+        </p:spPr>
+        <p:style>
+          <a:lnRef idx="2">
+            <a:schemeClr val="accent1">
+              <a:shade val="50000"/>
+            </a:schemeClr>
+          </a:lnRef>
+          <a:fillRef idx="1">
+            <a:schemeClr val="accent1"/>
+          </a:fillRef>
+          <a:effectRef idx="0">
+            <a:schemeClr val="accent1"/>
+          </a:effectRef>
+          <a:fontRef idx="minor">
+            <a:schemeClr val="lt1"/>
+          </a:fontRef>
+        </p:style>
+        <p:txBody>
+          <a:bodyPr rtlCol="0" anchor="ctr"/>
+          <a:lstStyle/>
+          <a:p>
+            <a:pPr algn="ctr"/>
+            <a:endParaRPr lang="zh-TW" altLang="en-US"/>
+          </a:p>
+        </p:txBody>
+      </p:sp>
+      <p:sp>
+        <p:nvSpPr>
+          <p:cNvPr id="129" name="矩形 128">
+            <a:extLst>
+              <a:ext uri="{FF2B5EF4-FFF2-40B4-BE49-F238E27FC236}">
+                <a16:creationId xmlns:a16="http://schemas.microsoft.com/office/drawing/2014/main" id="{D0028C95-1872-4ACB-9CC7-A3AA3F8E7D29}"/>
+              </a:ext>
+            </a:extLst>
+          </p:cNvPr>
+          <p:cNvSpPr/>
+          <p:nvPr/>
+        </p:nvSpPr>
+        <p:spPr>
+          <a:xfrm>
+            <a:off x="10310555" y="1878844"/>
+            <a:ext cx="341394" cy="93185"/>
+          </a:xfrm>
+          <a:prstGeom prst="rect">
+            <a:avLst/>
+          </a:prstGeom>
+          <a:noFill/>
+          <a:ln w="9525">
+            <a:solidFill>
+              <a:srgbClr val="FF0000"/>
+            </a:solidFill>
+          </a:ln>
+        </p:spPr>
+        <p:style>
+          <a:lnRef idx="2">
+            <a:schemeClr val="accent1">
+              <a:shade val="50000"/>
+            </a:schemeClr>
+          </a:lnRef>
+          <a:fillRef idx="1">
+            <a:schemeClr val="accent1"/>
+          </a:fillRef>
+          <a:effectRef idx="0">
+            <a:schemeClr val="accent1"/>
+          </a:effectRef>
+          <a:fontRef idx="minor">
+            <a:schemeClr val="lt1"/>
+          </a:fontRef>
+        </p:style>
+        <p:txBody>
+          <a:bodyPr rtlCol="0" anchor="ctr"/>
+          <a:lstStyle/>
+          <a:p>
+            <a:pPr algn="ctr"/>
+            <a:endParaRPr lang="zh-TW" altLang="en-US"/>
+          </a:p>
+        </p:txBody>
+      </p:sp>
+      <p:cxnSp>
+        <p:nvCxnSpPr>
+          <p:cNvPr id="130" name="接點: 肘形 129">
+            <a:extLst>
+              <a:ext uri="{FF2B5EF4-FFF2-40B4-BE49-F238E27FC236}">
+                <a16:creationId xmlns:a16="http://schemas.microsoft.com/office/drawing/2014/main" id="{682DFE75-597B-4F7F-A15D-5A1FBD240B7A}"/>
+              </a:ext>
+            </a:extLst>
+          </p:cNvPr>
+          <p:cNvCxnSpPr>
+            <a:cxnSpLocks/>
+            <a:stCxn id="111" idx="3"/>
+            <a:endCxn id="119" idx="1"/>
+          </p:cNvCxnSpPr>
+          <p:nvPr/>
+        </p:nvCxnSpPr>
+        <p:spPr>
+          <a:xfrm flipV="1">
+            <a:off x="7986713" y="1278402"/>
+            <a:ext cx="2258924" cy="4003029"/>
+          </a:xfrm>
+          <a:prstGeom prst="bentConnector3">
+            <a:avLst>
+              <a:gd name="adj1" fmla="val 70029"/>
+            </a:avLst>
+          </a:prstGeom>
+          <a:ln w="9525">
+            <a:solidFill>
+              <a:srgbClr val="FF0000"/>
+            </a:solidFill>
+            <a:tailEnd type="triangle"/>
+          </a:ln>
+        </p:spPr>
+        <p:style>
+          <a:lnRef idx="1">
+            <a:schemeClr val="accent1"/>
+          </a:lnRef>
+          <a:fillRef idx="0">
+            <a:schemeClr val="accent1"/>
+          </a:fillRef>
+          <a:effectRef idx="0">
+            <a:schemeClr val="accent1"/>
+          </a:effectRef>
+          <a:fontRef idx="minor">
+            <a:schemeClr val="tx1"/>
+          </a:fontRef>
+        </p:style>
+      </p:cxnSp>
+      <p:cxnSp>
+        <p:nvCxnSpPr>
+          <p:cNvPr id="134" name="接點: 肘形 133">
+            <a:extLst>
+              <a:ext uri="{FF2B5EF4-FFF2-40B4-BE49-F238E27FC236}">
+                <a16:creationId xmlns:a16="http://schemas.microsoft.com/office/drawing/2014/main" id="{E9A3E332-43C5-46FA-B6AA-0919EFD3A4D0}"/>
+              </a:ext>
+            </a:extLst>
+          </p:cNvPr>
+          <p:cNvCxnSpPr>
+            <a:cxnSpLocks/>
+            <a:stCxn id="112" idx="3"/>
+            <a:endCxn id="123" idx="1"/>
+          </p:cNvCxnSpPr>
+          <p:nvPr/>
+        </p:nvCxnSpPr>
+        <p:spPr>
+          <a:xfrm flipV="1">
+            <a:off x="7986713" y="1362950"/>
+            <a:ext cx="2150545" cy="4038279"/>
+          </a:xfrm>
+          <a:prstGeom prst="bentConnector3">
+            <a:avLst>
+              <a:gd name="adj1" fmla="val 78568"/>
+            </a:avLst>
+          </a:prstGeom>
+          <a:ln w="9525">
+            <a:solidFill>
+              <a:srgbClr val="FF0000"/>
+            </a:solidFill>
+            <a:tailEnd type="triangle"/>
+          </a:ln>
+        </p:spPr>
+        <p:style>
+          <a:lnRef idx="1">
+            <a:schemeClr val="accent1"/>
+          </a:lnRef>
+          <a:fillRef idx="0">
+            <a:schemeClr val="accent1"/>
+          </a:fillRef>
+          <a:effectRef idx="0">
+            <a:schemeClr val="accent1"/>
+          </a:effectRef>
+          <a:fontRef idx="minor">
+            <a:schemeClr val="tx1"/>
+          </a:fontRef>
+        </p:style>
+      </p:cxnSp>
+      <p:cxnSp>
+        <p:nvCxnSpPr>
+          <p:cNvPr id="138" name="接點: 肘形 137">
+            <a:extLst>
+              <a:ext uri="{FF2B5EF4-FFF2-40B4-BE49-F238E27FC236}">
+                <a16:creationId xmlns:a16="http://schemas.microsoft.com/office/drawing/2014/main" id="{E3666D6B-A82B-4CFB-8844-2967245C9082}"/>
+              </a:ext>
+            </a:extLst>
+          </p:cNvPr>
+          <p:cNvCxnSpPr>
+            <a:cxnSpLocks/>
+            <a:stCxn id="113" idx="3"/>
+            <a:endCxn id="124" idx="1"/>
+          </p:cNvCxnSpPr>
+          <p:nvPr/>
+        </p:nvCxnSpPr>
+        <p:spPr>
+          <a:xfrm flipV="1">
+            <a:off x="7986713" y="1453417"/>
+            <a:ext cx="2369363" cy="4067479"/>
+          </a:xfrm>
+          <a:prstGeom prst="bentConnector3">
+            <a:avLst>
+              <a:gd name="adj1" fmla="val 76130"/>
+            </a:avLst>
+          </a:prstGeom>
+          <a:ln w="9525">
+            <a:solidFill>
+              <a:srgbClr val="FF0000"/>
+            </a:solidFill>
+            <a:tailEnd type="triangle"/>
+          </a:ln>
+        </p:spPr>
+        <p:style>
+          <a:lnRef idx="1">
+            <a:schemeClr val="accent1"/>
+          </a:lnRef>
+          <a:fillRef idx="0">
+            <a:schemeClr val="accent1"/>
+          </a:fillRef>
+          <a:effectRef idx="0">
+            <a:schemeClr val="accent1"/>
+          </a:effectRef>
+          <a:fontRef idx="minor">
+            <a:schemeClr val="tx1"/>
+          </a:fontRef>
+        </p:style>
+      </p:cxnSp>
+      <p:cxnSp>
+        <p:nvCxnSpPr>
+          <p:cNvPr id="142" name="接點: 肘形 141">
+            <a:extLst>
+              <a:ext uri="{FF2B5EF4-FFF2-40B4-BE49-F238E27FC236}">
+                <a16:creationId xmlns:a16="http://schemas.microsoft.com/office/drawing/2014/main" id="{B3533860-96E3-413D-AABC-8EEB2402DCA3}"/>
+              </a:ext>
+            </a:extLst>
+          </p:cNvPr>
+          <p:cNvCxnSpPr>
+            <a:cxnSpLocks/>
+            <a:stCxn id="114" idx="3"/>
+            <a:endCxn id="125" idx="1"/>
+          </p:cNvCxnSpPr>
+          <p:nvPr/>
+        </p:nvCxnSpPr>
+        <p:spPr>
+          <a:xfrm flipV="1">
+            <a:off x="7986713" y="1544643"/>
+            <a:ext cx="2313196" cy="4096051"/>
+          </a:xfrm>
+          <a:prstGeom prst="bentConnector3">
+            <a:avLst>
+              <a:gd name="adj1" fmla="val 54118"/>
+            </a:avLst>
+          </a:prstGeom>
+          <a:ln w="9525">
+            <a:solidFill>
+              <a:srgbClr val="FF0000"/>
+            </a:solidFill>
+            <a:tailEnd type="triangle"/>
+          </a:ln>
+        </p:spPr>
+        <p:style>
+          <a:lnRef idx="1">
+            <a:schemeClr val="accent1"/>
+          </a:lnRef>
+          <a:fillRef idx="0">
+            <a:schemeClr val="accent1"/>
+          </a:fillRef>
+          <a:effectRef idx="0">
+            <a:schemeClr val="accent1"/>
+          </a:effectRef>
+          <a:fontRef idx="minor">
+            <a:schemeClr val="tx1"/>
+          </a:fontRef>
+        </p:style>
+      </p:cxnSp>
+      <p:cxnSp>
+        <p:nvCxnSpPr>
+          <p:cNvPr id="146" name="接點: 肘形 145">
+            <a:extLst>
+              <a:ext uri="{FF2B5EF4-FFF2-40B4-BE49-F238E27FC236}">
+                <a16:creationId xmlns:a16="http://schemas.microsoft.com/office/drawing/2014/main" id="{55B6F62C-B0A6-47AE-8847-0E1104AFF853}"/>
+              </a:ext>
+            </a:extLst>
+          </p:cNvPr>
+          <p:cNvCxnSpPr>
+            <a:cxnSpLocks/>
+            <a:stCxn id="115" idx="3"/>
+            <a:endCxn id="126" idx="1"/>
+          </p:cNvCxnSpPr>
+          <p:nvPr/>
+        </p:nvCxnSpPr>
+        <p:spPr>
+          <a:xfrm flipV="1">
+            <a:off x="7986713" y="1643071"/>
+            <a:ext cx="2165667" cy="4117290"/>
+          </a:xfrm>
+          <a:prstGeom prst="bentConnector3">
+            <a:avLst>
+              <a:gd name="adj1" fmla="val 45602"/>
+            </a:avLst>
+          </a:prstGeom>
+          <a:ln w="9525">
+            <a:solidFill>
+              <a:srgbClr val="FF0000"/>
+            </a:solidFill>
+            <a:tailEnd type="triangle"/>
+          </a:ln>
+        </p:spPr>
+        <p:style>
+          <a:lnRef idx="1">
+            <a:schemeClr val="accent1"/>
+          </a:lnRef>
+          <a:fillRef idx="0">
+            <a:schemeClr val="accent1"/>
+          </a:fillRef>
+          <a:effectRef idx="0">
+            <a:schemeClr val="accent1"/>
+          </a:effectRef>
+          <a:fontRef idx="minor">
+            <a:schemeClr val="tx1"/>
+          </a:fontRef>
+        </p:style>
+      </p:cxnSp>
+      <p:cxnSp>
+        <p:nvCxnSpPr>
+          <p:cNvPr id="150" name="接點: 肘形 149">
+            <a:extLst>
+              <a:ext uri="{FF2B5EF4-FFF2-40B4-BE49-F238E27FC236}">
+                <a16:creationId xmlns:a16="http://schemas.microsoft.com/office/drawing/2014/main" id="{A62CC9BA-0BE0-40C1-8DCA-7894C54814A0}"/>
+              </a:ext>
+            </a:extLst>
+          </p:cNvPr>
+          <p:cNvCxnSpPr>
+            <a:cxnSpLocks/>
+            <a:stCxn id="116" idx="3"/>
+            <a:endCxn id="127" idx="1"/>
+          </p:cNvCxnSpPr>
+          <p:nvPr/>
+        </p:nvCxnSpPr>
+        <p:spPr>
+          <a:xfrm flipV="1">
+            <a:off x="7986713" y="1753436"/>
+            <a:ext cx="2188368" cy="4127930"/>
+          </a:xfrm>
+          <a:prstGeom prst="bentConnector3">
+            <a:avLst>
+              <a:gd name="adj1" fmla="val 39772"/>
+            </a:avLst>
+          </a:prstGeom>
+          <a:ln w="9525">
+            <a:solidFill>
+              <a:srgbClr val="FF0000"/>
+            </a:solidFill>
+            <a:tailEnd type="triangle"/>
+          </a:ln>
+        </p:spPr>
+        <p:style>
+          <a:lnRef idx="1">
+            <a:schemeClr val="accent1"/>
+          </a:lnRef>
+          <a:fillRef idx="0">
+            <a:schemeClr val="accent1"/>
+          </a:fillRef>
+          <a:effectRef idx="0">
+            <a:schemeClr val="accent1"/>
+          </a:effectRef>
+          <a:fontRef idx="minor">
+            <a:schemeClr val="tx1"/>
+          </a:fontRef>
+        </p:style>
+      </p:cxnSp>
+      <p:cxnSp>
+        <p:nvCxnSpPr>
+          <p:cNvPr id="154" name="接點: 肘形 153">
+            <a:extLst>
+              <a:ext uri="{FF2B5EF4-FFF2-40B4-BE49-F238E27FC236}">
+                <a16:creationId xmlns:a16="http://schemas.microsoft.com/office/drawing/2014/main" id="{5FDBFAB3-4B4A-4278-8B4A-F7AD184381B5}"/>
+              </a:ext>
+            </a:extLst>
+          </p:cNvPr>
+          <p:cNvCxnSpPr>
+            <a:cxnSpLocks/>
+            <a:stCxn id="117" idx="3"/>
+            <a:endCxn id="128" idx="1"/>
+          </p:cNvCxnSpPr>
+          <p:nvPr/>
+        </p:nvCxnSpPr>
+        <p:spPr>
+          <a:xfrm flipV="1">
+            <a:off x="7986713" y="1844437"/>
+            <a:ext cx="2161058" cy="4155389"/>
+          </a:xfrm>
+          <a:prstGeom prst="bentConnector3">
+            <a:avLst>
+              <a:gd name="adj1" fmla="val 27742"/>
+            </a:avLst>
+          </a:prstGeom>
+          <a:ln w="9525">
+            <a:solidFill>
+              <a:srgbClr val="FF0000"/>
+            </a:solidFill>
+            <a:tailEnd type="triangle"/>
+          </a:ln>
+        </p:spPr>
+        <p:style>
+          <a:lnRef idx="1">
+            <a:schemeClr val="accent1"/>
+          </a:lnRef>
+          <a:fillRef idx="0">
+            <a:schemeClr val="accent1"/>
+          </a:fillRef>
+          <a:effectRef idx="0">
+            <a:schemeClr val="accent1"/>
+          </a:effectRef>
+          <a:fontRef idx="minor">
+            <a:schemeClr val="tx1"/>
+          </a:fontRef>
+        </p:style>
+      </p:cxnSp>
+      <p:cxnSp>
+        <p:nvCxnSpPr>
+          <p:cNvPr id="158" name="接點: 肘形 157">
+            <a:extLst>
+              <a:ext uri="{FF2B5EF4-FFF2-40B4-BE49-F238E27FC236}">
+                <a16:creationId xmlns:a16="http://schemas.microsoft.com/office/drawing/2014/main" id="{2EABB3A0-6FB3-4416-AA74-719A2B8A2EA7}"/>
+              </a:ext>
+            </a:extLst>
+          </p:cNvPr>
+          <p:cNvCxnSpPr>
+            <a:cxnSpLocks/>
+            <a:stCxn id="118" idx="3"/>
+            <a:endCxn id="129" idx="1"/>
+          </p:cNvCxnSpPr>
+          <p:nvPr/>
+        </p:nvCxnSpPr>
+        <p:spPr>
+          <a:xfrm flipV="1">
+            <a:off x="7986712" y="1925437"/>
+            <a:ext cx="2323843" cy="4192849"/>
+          </a:xfrm>
+          <a:prstGeom prst="bentConnector3">
+            <a:avLst>
+              <a:gd name="adj1" fmla="val 85045"/>
+            </a:avLst>
+          </a:prstGeom>
+          <a:ln w="9525">
+            <a:solidFill>
+              <a:srgbClr val="FF0000"/>
+            </a:solidFill>
+            <a:tailEnd type="triangle"/>
+          </a:ln>
+        </p:spPr>
+        <p:style>
+          <a:lnRef idx="1">
+            <a:schemeClr val="accent1"/>
+          </a:lnRef>
+          <a:fillRef idx="0">
+            <a:schemeClr val="accent1"/>
+          </a:fillRef>
+          <a:effectRef idx="0">
+            <a:schemeClr val="accent1"/>
+          </a:effectRef>
+          <a:fontRef idx="minor">
+            <a:schemeClr val="tx1"/>
+          </a:fontRef>
+        </p:style>
+      </p:cxnSp>
+      <p:sp>
+        <p:nvSpPr>
+          <p:cNvPr id="162" name="矩形 161">
+            <a:extLst>
+              <a:ext uri="{FF2B5EF4-FFF2-40B4-BE49-F238E27FC236}">
+                <a16:creationId xmlns:a16="http://schemas.microsoft.com/office/drawing/2014/main" id="{7BF3FABC-3ED8-4C9F-B934-B3E7BAF69A7F}"/>
+              </a:ext>
+            </a:extLst>
+          </p:cNvPr>
+          <p:cNvSpPr/>
+          <p:nvPr/>
+        </p:nvSpPr>
+        <p:spPr>
+          <a:xfrm>
+            <a:off x="10228341" y="2179441"/>
+            <a:ext cx="326153" cy="99505"/>
+          </a:xfrm>
+          <a:prstGeom prst="rect">
+            <a:avLst/>
+          </a:prstGeom>
+          <a:noFill/>
+          <a:ln w="9525">
+            <a:solidFill>
+              <a:srgbClr val="FF0000"/>
+            </a:solidFill>
+          </a:ln>
+        </p:spPr>
+        <p:style>
+          <a:lnRef idx="2">
+            <a:schemeClr val="accent1">
+              <a:shade val="50000"/>
+            </a:schemeClr>
+          </a:lnRef>
+          <a:fillRef idx="1">
+            <a:schemeClr val="accent1"/>
+          </a:fillRef>
+          <a:effectRef idx="0">
+            <a:schemeClr val="accent1"/>
+          </a:effectRef>
+          <a:fontRef idx="minor">
+            <a:schemeClr val="lt1"/>
+          </a:fontRef>
+        </p:style>
+        <p:txBody>
+          <a:bodyPr rtlCol="0" anchor="ctr"/>
+          <a:lstStyle/>
+          <a:p>
+            <a:pPr algn="ctr"/>
+            <a:endParaRPr lang="zh-TW" altLang="en-US"/>
+          </a:p>
+        </p:txBody>
+      </p:sp>
+      <p:sp>
+        <p:nvSpPr>
+          <p:cNvPr id="163" name="矩形 162">
+            <a:extLst>
+              <a:ext uri="{FF2B5EF4-FFF2-40B4-BE49-F238E27FC236}">
+                <a16:creationId xmlns:a16="http://schemas.microsoft.com/office/drawing/2014/main" id="{87846CA7-0D42-41E3-BD98-68BC5C65031D}"/>
+              </a:ext>
+            </a:extLst>
+          </p:cNvPr>
+          <p:cNvSpPr/>
+          <p:nvPr/>
+        </p:nvSpPr>
+        <p:spPr>
+          <a:xfrm>
+            <a:off x="6850722" y="3506525"/>
+            <a:ext cx="869310" cy="116681"/>
+          </a:xfrm>
+          <a:prstGeom prst="rect">
+            <a:avLst/>
+          </a:prstGeom>
+          <a:noFill/>
+          <a:ln w="9525">
+            <a:solidFill>
+              <a:srgbClr val="FF0000"/>
+            </a:solidFill>
+          </a:ln>
+        </p:spPr>
+        <p:style>
+          <a:lnRef idx="2">
+            <a:schemeClr val="accent1">
+              <a:shade val="50000"/>
+            </a:schemeClr>
+          </a:lnRef>
+          <a:fillRef idx="1">
+            <a:schemeClr val="accent1"/>
+          </a:fillRef>
+          <a:effectRef idx="0">
+            <a:schemeClr val="accent1"/>
+          </a:effectRef>
+          <a:fontRef idx="minor">
+            <a:schemeClr val="lt1"/>
+          </a:fontRef>
+        </p:style>
+        <p:txBody>
+          <a:bodyPr rtlCol="0" anchor="ctr"/>
+          <a:lstStyle/>
+          <a:p>
+            <a:pPr algn="ctr"/>
+            <a:endParaRPr lang="zh-TW" altLang="en-US"/>
+          </a:p>
+        </p:txBody>
+      </p:sp>
+      <p:cxnSp>
+        <p:nvCxnSpPr>
+          <p:cNvPr id="165" name="接點: 肘形 164">
+            <a:extLst>
+              <a:ext uri="{FF2B5EF4-FFF2-40B4-BE49-F238E27FC236}">
+                <a16:creationId xmlns:a16="http://schemas.microsoft.com/office/drawing/2014/main" id="{35C0FC2A-1B8D-4358-835A-A9FBACCF49DC}"/>
+              </a:ext>
+            </a:extLst>
+          </p:cNvPr>
+          <p:cNvCxnSpPr>
+            <a:cxnSpLocks/>
+            <a:stCxn id="163" idx="3"/>
+          </p:cNvCxnSpPr>
+          <p:nvPr/>
+        </p:nvCxnSpPr>
+        <p:spPr>
+          <a:xfrm flipV="1">
+            <a:off x="7720032" y="2230340"/>
+            <a:ext cx="2508309" cy="1334526"/>
+          </a:xfrm>
+          <a:prstGeom prst="bentConnector3">
+            <a:avLst>
+              <a:gd name="adj1" fmla="val 25507"/>
+            </a:avLst>
+          </a:prstGeom>
+          <a:ln w="9525">
+            <a:solidFill>
+              <a:srgbClr val="FF0000"/>
+            </a:solidFill>
+            <a:tailEnd type="triangle"/>
+          </a:ln>
+        </p:spPr>
+        <p:style>
+          <a:lnRef idx="1">
+            <a:schemeClr val="accent1"/>
+          </a:lnRef>
+          <a:fillRef idx="0">
+            <a:schemeClr val="accent1"/>
+          </a:fillRef>
+          <a:effectRef idx="0">
+            <a:schemeClr val="accent1"/>
+          </a:effectRef>
+          <a:fontRef idx="minor">
+            <a:schemeClr val="tx1"/>
+          </a:fontRef>
+        </p:style>
+      </p:cxnSp>
+      <p:sp>
+        <p:nvSpPr>
+          <p:cNvPr id="168" name="矩形 167">
+            <a:extLst>
+              <a:ext uri="{FF2B5EF4-FFF2-40B4-BE49-F238E27FC236}">
+                <a16:creationId xmlns:a16="http://schemas.microsoft.com/office/drawing/2014/main" id="{EAE1702D-07EB-4AA8-A5AC-9754B9344E8C}"/>
+              </a:ext>
+            </a:extLst>
+          </p:cNvPr>
+          <p:cNvSpPr/>
+          <p:nvPr/>
+        </p:nvSpPr>
+        <p:spPr>
+          <a:xfrm>
+            <a:off x="9052756" y="827129"/>
+            <a:ext cx="335743" cy="116681"/>
+          </a:xfrm>
+          <a:prstGeom prst="rect">
+            <a:avLst/>
+          </a:prstGeom>
+          <a:noFill/>
+          <a:ln w="9525">
+            <a:solidFill>
+              <a:srgbClr val="FF0000"/>
+            </a:solidFill>
+          </a:ln>
+        </p:spPr>
+        <p:style>
+          <a:lnRef idx="2">
+            <a:schemeClr val="accent1">
+              <a:shade val="50000"/>
+            </a:schemeClr>
+          </a:lnRef>
+          <a:fillRef idx="1">
+            <a:schemeClr val="accent1"/>
+          </a:fillRef>
+          <a:effectRef idx="0">
+            <a:schemeClr val="accent1"/>
+          </a:effectRef>
+          <a:fontRef idx="minor">
+            <a:schemeClr val="lt1"/>
+          </a:fontRef>
+        </p:style>
+        <p:txBody>
+          <a:bodyPr rtlCol="0" anchor="ctr"/>
+          <a:lstStyle/>
+          <a:p>
+            <a:pPr algn="ctr"/>
+            <a:endParaRPr lang="zh-TW" altLang="en-US"/>
+          </a:p>
+        </p:txBody>
+      </p:sp>
+      <p:sp>
+        <p:nvSpPr>
+          <p:cNvPr id="169" name="矩形 168">
+            <a:extLst>
+              <a:ext uri="{FF2B5EF4-FFF2-40B4-BE49-F238E27FC236}">
+                <a16:creationId xmlns:a16="http://schemas.microsoft.com/office/drawing/2014/main" id="{0E0B2BC2-F081-4325-86CC-4361D226CA23}"/>
+              </a:ext>
+            </a:extLst>
+          </p:cNvPr>
+          <p:cNvSpPr/>
+          <p:nvPr/>
+        </p:nvSpPr>
+        <p:spPr>
+          <a:xfrm>
+            <a:off x="11304750" y="2170852"/>
+            <a:ext cx="285586" cy="116681"/>
+          </a:xfrm>
+          <a:prstGeom prst="rect">
+            <a:avLst/>
+          </a:prstGeom>
+          <a:noFill/>
+          <a:ln w="9525">
+            <a:solidFill>
+              <a:srgbClr val="FF0000"/>
+            </a:solidFill>
+          </a:ln>
+        </p:spPr>
+        <p:style>
+          <a:lnRef idx="2">
+            <a:schemeClr val="accent1">
+              <a:shade val="50000"/>
+            </a:schemeClr>
+          </a:lnRef>
+          <a:fillRef idx="1">
+            <a:schemeClr val="accent1"/>
+          </a:fillRef>
+          <a:effectRef idx="0">
+            <a:schemeClr val="accent1"/>
+          </a:effectRef>
+          <a:fontRef idx="minor">
+            <a:schemeClr val="lt1"/>
+          </a:fontRef>
+        </p:style>
+        <p:txBody>
+          <a:bodyPr rtlCol="0" anchor="ctr"/>
+          <a:lstStyle/>
+          <a:p>
+            <a:pPr algn="ctr"/>
+            <a:endParaRPr lang="zh-TW" altLang="en-US"/>
+          </a:p>
+        </p:txBody>
+      </p:sp>
+      <p:sp>
+        <p:nvSpPr>
+          <p:cNvPr id="170" name="矩形 169">
+            <a:extLst>
+              <a:ext uri="{FF2B5EF4-FFF2-40B4-BE49-F238E27FC236}">
+                <a16:creationId xmlns:a16="http://schemas.microsoft.com/office/drawing/2014/main" id="{9B846BC6-BC13-4E92-BED0-A56BC227908F}"/>
+              </a:ext>
+            </a:extLst>
+          </p:cNvPr>
+          <p:cNvSpPr/>
+          <p:nvPr/>
+        </p:nvSpPr>
+        <p:spPr>
+          <a:xfrm>
+            <a:off x="6845296" y="3990685"/>
+            <a:ext cx="1544662" cy="123575"/>
+          </a:xfrm>
+          <a:prstGeom prst="rect">
+            <a:avLst/>
+          </a:prstGeom>
+          <a:noFill/>
+          <a:ln w="9525">
+            <a:solidFill>
+              <a:srgbClr val="FF0000"/>
+            </a:solidFill>
+          </a:ln>
+        </p:spPr>
+        <p:style>
+          <a:lnRef idx="2">
+            <a:schemeClr val="accent1">
+              <a:shade val="50000"/>
+            </a:schemeClr>
+          </a:lnRef>
+          <a:fillRef idx="1">
+            <a:schemeClr val="accent1"/>
+          </a:fillRef>
+          <a:effectRef idx="0">
+            <a:schemeClr val="accent1"/>
+          </a:effectRef>
+          <a:fontRef idx="minor">
+            <a:schemeClr val="lt1"/>
+          </a:fontRef>
+        </p:style>
+        <p:txBody>
+          <a:bodyPr rtlCol="0" anchor="ctr"/>
+          <a:lstStyle/>
+          <a:p>
+            <a:pPr algn="ctr"/>
+            <a:endParaRPr lang="zh-TW" altLang="en-US"/>
+          </a:p>
+        </p:txBody>
+      </p:sp>
+      <p:cxnSp>
+        <p:nvCxnSpPr>
+          <p:cNvPr id="172" name="接點: 肘形 171">
+            <a:extLst>
+              <a:ext uri="{FF2B5EF4-FFF2-40B4-BE49-F238E27FC236}">
+                <a16:creationId xmlns:a16="http://schemas.microsoft.com/office/drawing/2014/main" id="{15AADDBF-2DEB-439E-9D2B-6A5B0F331B82}"/>
+              </a:ext>
+            </a:extLst>
+          </p:cNvPr>
+          <p:cNvCxnSpPr>
+            <a:cxnSpLocks/>
+            <a:stCxn id="170" idx="3"/>
+            <a:endCxn id="169" idx="3"/>
+          </p:cNvCxnSpPr>
+          <p:nvPr/>
+        </p:nvCxnSpPr>
+        <p:spPr>
+          <a:xfrm flipV="1">
+            <a:off x="8389958" y="2229193"/>
+            <a:ext cx="3200378" cy="1823280"/>
+          </a:xfrm>
+          <a:prstGeom prst="bentConnector3">
+            <a:avLst>
+              <a:gd name="adj1" fmla="val 107143"/>
+            </a:avLst>
+          </a:prstGeom>
+          <a:ln w="9525">
+            <a:solidFill>
+              <a:srgbClr val="FF0000"/>
+            </a:solidFill>
+            <a:tailEnd type="triangle"/>
+          </a:ln>
+        </p:spPr>
+        <p:style>
+          <a:lnRef idx="1">
+            <a:schemeClr val="accent1"/>
+          </a:lnRef>
+          <a:fillRef idx="0">
+            <a:schemeClr val="accent1"/>
+          </a:fillRef>
+          <a:effectRef idx="0">
+            <a:schemeClr val="accent1"/>
+          </a:effectRef>
+          <a:fontRef idx="minor">
+            <a:schemeClr val="tx1"/>
+          </a:fontRef>
+        </p:style>
+      </p:cxnSp>
+      <p:cxnSp>
+        <p:nvCxnSpPr>
+          <p:cNvPr id="175" name="接點: 肘形 174">
+            <a:extLst>
+              <a:ext uri="{FF2B5EF4-FFF2-40B4-BE49-F238E27FC236}">
+                <a16:creationId xmlns:a16="http://schemas.microsoft.com/office/drawing/2014/main" id="{2DAE8EC9-3E88-4500-AB9A-05916619307B}"/>
+              </a:ext>
+            </a:extLst>
+          </p:cNvPr>
+          <p:cNvCxnSpPr>
+            <a:cxnSpLocks/>
+            <a:stCxn id="170" idx="1"/>
+            <a:endCxn id="168" idx="2"/>
+          </p:cNvCxnSpPr>
+          <p:nvPr/>
+        </p:nvCxnSpPr>
+        <p:spPr>
+          <a:xfrm rot="10800000" flipH="1">
+            <a:off x="6845296" y="943811"/>
+            <a:ext cx="2375332" cy="3108663"/>
+          </a:xfrm>
+          <a:prstGeom prst="bentConnector4">
+            <a:avLst>
+              <a:gd name="adj1" fmla="val -9624"/>
+              <a:gd name="adj2" fmla="val 50994"/>
+            </a:avLst>
+          </a:prstGeom>
+          <a:ln w="9525">
+            <a:solidFill>
+              <a:srgbClr val="FF0000"/>
+            </a:solidFill>
+            <a:tailEnd type="triangle"/>
+          </a:ln>
+        </p:spPr>
+        <p:style>
+          <a:lnRef idx="1">
+            <a:schemeClr val="accent1"/>
+          </a:lnRef>
+          <a:fillRef idx="0">
+            <a:schemeClr val="accent1"/>
+          </a:fillRef>
+          <a:effectRef idx="0">
+            <a:schemeClr val="accent1"/>
+          </a:effectRef>
+          <a:fontRef idx="minor">
+            <a:schemeClr val="tx1"/>
+          </a:fontRef>
+        </p:style>
+      </p:cxnSp>
+      <p:sp>
+        <p:nvSpPr>
+          <p:cNvPr id="177" name="矩形: 圓角 176">
+            <a:extLst>
+              <a:ext uri="{FF2B5EF4-FFF2-40B4-BE49-F238E27FC236}">
+                <a16:creationId xmlns:a16="http://schemas.microsoft.com/office/drawing/2014/main" id="{86C293B7-510B-4B57-817B-6F9DCDD8A54C}"/>
+              </a:ext>
+            </a:extLst>
+          </p:cNvPr>
+          <p:cNvSpPr/>
+          <p:nvPr/>
+        </p:nvSpPr>
+        <p:spPr>
+          <a:xfrm>
+            <a:off x="11210922" y="2598419"/>
+            <a:ext cx="457203" cy="221324"/>
+          </a:xfrm>
+          <a:prstGeom prst="roundRect">
+            <a:avLst/>
+          </a:prstGeom>
+          <a:noFill/>
+          <a:ln>
+            <a:solidFill>
+              <a:schemeClr val="accent6">
+                <a:lumMod val="75000"/>
+              </a:schemeClr>
+            </a:solidFill>
+          </a:ln>
+        </p:spPr>
+        <p:style>
+          <a:lnRef idx="2">
+            <a:schemeClr val="accent1">
+              <a:shade val="50000"/>
+            </a:schemeClr>
+          </a:lnRef>
+          <a:fillRef idx="1">
+            <a:schemeClr val="accent1"/>
+          </a:fillRef>
+          <a:effectRef idx="0">
+            <a:schemeClr val="accent1"/>
+          </a:effectRef>
+          <a:fontRef idx="minor">
+            <a:schemeClr val="lt1"/>
+          </a:fontRef>
+        </p:style>
+        <p:txBody>
+          <a:bodyPr rtlCol="0" anchor="ctr"/>
+          <a:lstStyle/>
+          <a:p>
+            <a:pPr algn="ctr"/>
+            <a:endParaRPr lang="zh-TW" altLang="en-US" dirty="0"/>
+          </a:p>
+        </p:txBody>
+      </p:sp>
+      <p:cxnSp>
+        <p:nvCxnSpPr>
+          <p:cNvPr id="179" name="接點: 肘形 178">
+            <a:extLst>
+              <a:ext uri="{FF2B5EF4-FFF2-40B4-BE49-F238E27FC236}">
+                <a16:creationId xmlns:a16="http://schemas.microsoft.com/office/drawing/2014/main" id="{99D49154-5881-4628-9801-E80FE1171E08}"/>
+              </a:ext>
+            </a:extLst>
+          </p:cNvPr>
+          <p:cNvCxnSpPr>
+            <a:cxnSpLocks/>
+            <a:stCxn id="177" idx="2"/>
+          </p:cNvCxnSpPr>
+          <p:nvPr/>
+        </p:nvCxnSpPr>
+        <p:spPr>
+          <a:xfrm rot="5400000">
+            <a:off x="6529624" y="1633947"/>
+            <a:ext cx="3724105" cy="6095696"/>
+          </a:xfrm>
+          <a:prstGeom prst="bentConnector2">
+            <a:avLst/>
+          </a:prstGeom>
+          <a:ln>
+            <a:solidFill>
+              <a:schemeClr val="accent6">
+                <a:lumMod val="75000"/>
+              </a:schemeClr>
+            </a:solidFill>
+            <a:tailEnd type="triangle"/>
+          </a:ln>
+        </p:spPr>
+        <p:style>
+          <a:lnRef idx="1">
+            <a:schemeClr val="accent1"/>
+          </a:lnRef>
+          <a:fillRef idx="0">
+            <a:schemeClr val="accent1"/>
+          </a:fillRef>
+          <a:effectRef idx="0">
+            <a:schemeClr val="accent1"/>
+          </a:effectRef>
+          <a:fontRef idx="minor">
+            <a:schemeClr val="tx1"/>
+          </a:fontRef>
+        </p:style>
+      </p:cxnSp>
+      <p:sp>
+        <p:nvSpPr>
+          <p:cNvPr id="180" name="文字方塊 179">
+            <a:extLst>
+              <a:ext uri="{FF2B5EF4-FFF2-40B4-BE49-F238E27FC236}">
+                <a16:creationId xmlns:a16="http://schemas.microsoft.com/office/drawing/2014/main" id="{222A9E88-97A5-40E6-94DF-2790662C67C4}"/>
+              </a:ext>
+            </a:extLst>
+          </p:cNvPr>
+          <p:cNvSpPr txBox="1"/>
+          <p:nvPr/>
+        </p:nvSpPr>
+        <p:spPr>
+          <a:xfrm>
+            <a:off x="1288288" y="5369200"/>
+            <a:ext cx="4055533" cy="1446550"/>
+          </a:xfrm>
+          <a:prstGeom prst="rect">
+            <a:avLst/>
+          </a:prstGeom>
+          <a:noFill/>
+          <a:ln>
+            <a:solidFill>
+              <a:schemeClr val="accent6">
+                <a:lumMod val="75000"/>
+              </a:schemeClr>
+            </a:solidFill>
+          </a:ln>
+        </p:spPr>
+        <p:txBody>
+          <a:bodyPr wrap="square">
+            <a:spAutoFit/>
+          </a:bodyPr>
+          <a:lstStyle/>
+          <a:p>
+            <a:r>
+              <a:rPr lang="zh-TW" altLang="en-US" sz="800" dirty="0">
+                <a:latin typeface="微軟正黑體" panose="020B0604030504040204" pitchFamily="34" charset="-120"/>
+                <a:ea typeface="微軟正黑體" panose="020B0604030504040204" pitchFamily="34" charset="-120"/>
+                <a:cs typeface="Arial" panose="020B0604020202020204" pitchFamily="34" charset="0"/>
+              </a:rPr>
+              <a:t>URL: http://10.193.130.8:8000/api/v1/getPayDraftStream</a:t>
+            </a:r>
+          </a:p>
+          <a:p>
+            <a:r>
+              <a:rPr lang="zh-TW" altLang="en-US" sz="800" dirty="0">
+                <a:latin typeface="微軟正黑體" panose="020B0604030504040204" pitchFamily="34" charset="-120"/>
+                <a:ea typeface="微軟正黑體" panose="020B0604030504040204" pitchFamily="34" charset="-120"/>
+                <a:cs typeface="Arial" panose="020B0604020202020204" pitchFamily="34" charset="0"/>
+              </a:rPr>
+              <a:t>Method: POST</a:t>
+            </a:r>
+          </a:p>
+          <a:p>
+            <a:endParaRPr lang="zh-TW" altLang="en-US" sz="800" dirty="0">
+              <a:latin typeface="微軟正黑體" panose="020B0604030504040204" pitchFamily="34" charset="-120"/>
+              <a:ea typeface="微軟正黑體" panose="020B0604030504040204" pitchFamily="34" charset="-120"/>
+              <a:cs typeface="Arial" panose="020B0604020202020204" pitchFamily="34" charset="0"/>
+            </a:endParaRPr>
+          </a:p>
+          <a:p>
+            <a:r>
+              <a:rPr lang="zh-TW" altLang="en-US" sz="800" dirty="0">
+                <a:latin typeface="微軟正黑體" panose="020B0604030504040204" pitchFamily="34" charset="-120"/>
+                <a:ea typeface="微軟正黑體" panose="020B0604030504040204" pitchFamily="34" charset="-120"/>
+                <a:cs typeface="Arial" panose="020B0604020202020204" pitchFamily="34" charset="0"/>
+              </a:rPr>
+              <a:t>POST Body:</a:t>
+            </a:r>
+          </a:p>
+          <a:p>
+            <a:endParaRPr lang="zh-TW" altLang="en-US" sz="800" dirty="0">
+              <a:latin typeface="微軟正黑體" panose="020B0604030504040204" pitchFamily="34" charset="-120"/>
+              <a:ea typeface="微軟正黑體" panose="020B0604030504040204" pitchFamily="34" charset="-120"/>
+              <a:cs typeface="Arial" panose="020B0604020202020204" pitchFamily="34" charset="0"/>
+            </a:endParaRPr>
+          </a:p>
+          <a:p>
+            <a:r>
+              <a:rPr lang="zh-TW" altLang="en-US" sz="800" dirty="0">
+                <a:latin typeface="微軟正黑體" panose="020B0604030504040204" pitchFamily="34" charset="-120"/>
+                <a:ea typeface="微軟正黑體" panose="020B0604030504040204" pitchFamily="34" charset="-120"/>
+                <a:cs typeface="Arial" panose="020B0604020202020204" pitchFamily="34" charset="0"/>
+              </a:rPr>
+              <a:t>{</a:t>
+            </a:r>
+            <a:endParaRPr lang="en-US" altLang="zh-TW" sz="800" dirty="0">
+              <a:latin typeface="微軟正黑體" panose="020B0604030504040204" pitchFamily="34" charset="-120"/>
+              <a:ea typeface="微軟正黑體" panose="020B0604030504040204" pitchFamily="34" charset="-120"/>
+              <a:cs typeface="Arial" panose="020B0604020202020204" pitchFamily="34" charset="0"/>
+            </a:endParaRPr>
+          </a:p>
+          <a:p>
+            <a:r>
+              <a:rPr lang="zh-TW" altLang="en-US" sz="800" dirty="0">
+                <a:latin typeface="微軟正黑體" panose="020B0604030504040204" pitchFamily="34" charset="-120"/>
+                <a:ea typeface="微軟正黑體" panose="020B0604030504040204" pitchFamily="34" charset="-120"/>
+                <a:cs typeface="Arial" panose="020B0604020202020204" pitchFamily="34" charset="0"/>
+              </a:rPr>
+              <a:t>    "PayDraftID": int</a:t>
+            </a:r>
+            <a:r>
+              <a:rPr lang="en-US" altLang="zh-TW" sz="800" dirty="0">
+                <a:latin typeface="微軟正黑體" panose="020B0604030504040204" pitchFamily="34" charset="-120"/>
+                <a:ea typeface="微軟正黑體" panose="020B0604030504040204" pitchFamily="34" charset="-120"/>
+                <a:cs typeface="Arial" panose="020B0604020202020204" pitchFamily="34" charset="0"/>
+              </a:rPr>
+              <a:t>,</a:t>
+            </a:r>
+          </a:p>
+          <a:p>
+            <a:r>
+              <a:rPr lang="en-US" altLang="zh-TW" sz="800" dirty="0">
+                <a:latin typeface="微軟正黑體" panose="020B0604030504040204" pitchFamily="34" charset="-120"/>
+                <a:ea typeface="微軟正黑體" panose="020B0604030504040204" pitchFamily="34" charset="-120"/>
+                <a:cs typeface="Arial" panose="020B0604020202020204" pitchFamily="34" charset="0"/>
+              </a:rPr>
+              <a:t>    </a:t>
+            </a:r>
+            <a:r>
+              <a:rPr lang="zh-TW" altLang="en-US" sz="800" dirty="0">
+                <a:latin typeface="微軟正黑體" panose="020B0604030504040204" pitchFamily="34" charset="-120"/>
+                <a:ea typeface="微軟正黑體" panose="020B0604030504040204" pitchFamily="34" charset="-120"/>
+                <a:cs typeface="Arial" panose="020B0604020202020204" pitchFamily="34" charset="0"/>
+              </a:rPr>
+              <a:t>"</a:t>
+            </a:r>
+            <a:r>
+              <a:rPr lang="en-US" altLang="zh-TW" sz="800" dirty="0" err="1">
+                <a:latin typeface="微軟正黑體" panose="020B0604030504040204" pitchFamily="34" charset="-120"/>
+                <a:ea typeface="微軟正黑體" panose="020B0604030504040204" pitchFamily="34" charset="-120"/>
+                <a:cs typeface="Arial" panose="020B0604020202020204" pitchFamily="34" charset="0"/>
+              </a:rPr>
+              <a:t>PayDraftChineseTotalFeeAmount</a:t>
+            </a:r>
+            <a:r>
+              <a:rPr lang="zh-TW" altLang="en-US" sz="800" dirty="0">
+                <a:latin typeface="微軟正黑體" panose="020B0604030504040204" pitchFamily="34" charset="-120"/>
+                <a:ea typeface="微軟正黑體" panose="020B0604030504040204" pitchFamily="34" charset="-120"/>
+                <a:cs typeface="Arial" panose="020B0604020202020204" pitchFamily="34" charset="0"/>
+              </a:rPr>
+              <a:t>"</a:t>
+            </a:r>
+            <a:r>
+              <a:rPr lang="en-US" altLang="zh-TW" sz="800" dirty="0">
+                <a:latin typeface="微軟正黑體" panose="020B0604030504040204" pitchFamily="34" charset="-120"/>
+                <a:ea typeface="微軟正黑體" panose="020B0604030504040204" pitchFamily="34" charset="-120"/>
+                <a:cs typeface="Arial" panose="020B0604020202020204" pitchFamily="34" charset="0"/>
+              </a:rPr>
+              <a:t>: </a:t>
+            </a:r>
+            <a:r>
+              <a:rPr lang="zh-TW" altLang="en-US" sz="800" dirty="0">
+                <a:latin typeface="微軟正黑體" panose="020B0604030504040204" pitchFamily="34" charset="-120"/>
+                <a:ea typeface="微軟正黑體" panose="020B0604030504040204" pitchFamily="34" charset="-120"/>
+                <a:cs typeface="Arial" panose="020B0604020202020204" pitchFamily="34" charset="0"/>
+              </a:rPr>
+              <a:t>"中文數字"</a:t>
+            </a:r>
+            <a:r>
+              <a:rPr lang="en-US" altLang="zh-TW" sz="800" dirty="0">
+                <a:latin typeface="微軟正黑體" panose="020B0604030504040204" pitchFamily="34" charset="-120"/>
+                <a:ea typeface="微軟正黑體" panose="020B0604030504040204" pitchFamily="34" charset="-120"/>
+                <a:cs typeface="Arial" panose="020B0604020202020204" pitchFamily="34" charset="0"/>
+              </a:rPr>
+              <a:t>, </a:t>
+            </a:r>
+          </a:p>
+          <a:p>
+            <a:r>
+              <a:rPr lang="zh-TW" altLang="en-US" sz="800" dirty="0">
+                <a:latin typeface="微軟正黑體" panose="020B0604030504040204" pitchFamily="34" charset="-120"/>
+                <a:ea typeface="微軟正黑體" panose="020B0604030504040204" pitchFamily="34" charset="-120"/>
+                <a:cs typeface="Arial" panose="020B0604020202020204" pitchFamily="34" charset="0"/>
+              </a:rPr>
+              <a:t>    "</a:t>
+            </a:r>
+            <a:r>
+              <a:rPr lang="en-US" altLang="zh-TW" sz="800" dirty="0" err="1">
+                <a:latin typeface="微軟正黑體" panose="020B0604030504040204" pitchFamily="34" charset="-120"/>
+                <a:ea typeface="微軟正黑體" panose="020B0604030504040204" pitchFamily="34" charset="-120"/>
+                <a:cs typeface="Arial" panose="020B0604020202020204" pitchFamily="34" charset="0"/>
+              </a:rPr>
+              <a:t>CableInfo</a:t>
+            </a:r>
+            <a:r>
+              <a:rPr lang="zh-TW" altLang="en-US" sz="800" dirty="0">
+                <a:latin typeface="微軟正黑體" panose="020B0604030504040204" pitchFamily="34" charset="-120"/>
+                <a:ea typeface="微軟正黑體" panose="020B0604030504040204" pitchFamily="34" charset="-120"/>
+                <a:cs typeface="Arial" panose="020B0604020202020204" pitchFamily="34" charset="0"/>
+              </a:rPr>
+              <a:t>" </a:t>
+            </a:r>
+            <a:r>
+              <a:rPr lang="en-US" altLang="zh-TW" sz="800" dirty="0">
+                <a:latin typeface="微軟正黑體" panose="020B0604030504040204" pitchFamily="34" charset="-120"/>
+                <a:ea typeface="微軟正黑體" panose="020B0604030504040204" pitchFamily="34" charset="-120"/>
+                <a:cs typeface="Arial" panose="020B0604020202020204" pitchFamily="34" charset="0"/>
+              </a:rPr>
+              <a:t>:</a:t>
+            </a:r>
+            <a:r>
+              <a:rPr lang="zh-TW" altLang="en-US" sz="800" dirty="0">
+                <a:latin typeface="微軟正黑體" panose="020B0604030504040204" pitchFamily="34" charset="-120"/>
+                <a:ea typeface="微軟正黑體" panose="020B0604030504040204" pitchFamily="34" charset="-120"/>
+                <a:cs typeface="Arial" panose="020B0604020202020204" pitchFamily="34" charset="0"/>
+              </a:rPr>
+              <a:t> "海纜資訊"</a:t>
+            </a:r>
+            <a:r>
+              <a:rPr lang="en-US" altLang="zh-TW" sz="800" dirty="0">
+                <a:latin typeface="微軟正黑體" panose="020B0604030504040204" pitchFamily="34" charset="-120"/>
+                <a:ea typeface="微軟正黑體" panose="020B0604030504040204" pitchFamily="34" charset="-120"/>
+                <a:cs typeface="Arial" panose="020B0604020202020204" pitchFamily="34" charset="0"/>
+              </a:rPr>
+              <a:t>,</a:t>
+            </a:r>
+          </a:p>
+          <a:p>
+            <a:r>
+              <a:rPr lang="en-US" altLang="zh-TW" sz="800" dirty="0">
+                <a:latin typeface="微軟正黑體" panose="020B0604030504040204" pitchFamily="34" charset="-120"/>
+                <a:ea typeface="微軟正黑體" panose="020B0604030504040204" pitchFamily="34" charset="-120"/>
+                <a:cs typeface="Arial" panose="020B0604020202020204" pitchFamily="34" charset="0"/>
+              </a:rPr>
+              <a:t>    </a:t>
+            </a:r>
+            <a:r>
+              <a:rPr lang="zh-TW" altLang="en-US" sz="800" dirty="0">
+                <a:latin typeface="微軟正黑體" panose="020B0604030504040204" pitchFamily="34" charset="-120"/>
+                <a:ea typeface="微軟正黑體" panose="020B0604030504040204" pitchFamily="34" charset="-120"/>
+                <a:cs typeface="Arial" panose="020B0604020202020204" pitchFamily="34" charset="0"/>
+              </a:rPr>
+              <a:t>"</a:t>
+            </a:r>
+            <a:r>
+              <a:rPr lang="en-US" altLang="zh-TW" sz="800" dirty="0">
+                <a:latin typeface="微軟正黑體" panose="020B0604030504040204" pitchFamily="34" charset="-120"/>
+                <a:ea typeface="微軟正黑體" panose="020B0604030504040204" pitchFamily="34" charset="-120"/>
+                <a:cs typeface="Arial" panose="020B0604020202020204" pitchFamily="34" charset="0"/>
+              </a:rPr>
+              <a:t>Save</a:t>
+            </a:r>
+            <a:r>
+              <a:rPr lang="zh-TW" altLang="en-US" sz="800" dirty="0">
+                <a:latin typeface="微軟正黑體" panose="020B0604030504040204" pitchFamily="34" charset="-120"/>
+                <a:ea typeface="微軟正黑體" panose="020B0604030504040204" pitchFamily="34" charset="-120"/>
+                <a:cs typeface="Arial" panose="020B0604020202020204" pitchFamily="34" charset="0"/>
+              </a:rPr>
+              <a:t>": true</a:t>
+            </a:r>
+          </a:p>
+          <a:p>
+            <a:r>
+              <a:rPr lang="zh-TW" altLang="en-US" sz="800" dirty="0">
+                <a:latin typeface="微軟正黑體" panose="020B0604030504040204" pitchFamily="34" charset="-120"/>
+                <a:ea typeface="微軟正黑體" panose="020B0604030504040204" pitchFamily="34" charset="-120"/>
+                <a:cs typeface="Arial" panose="020B0604020202020204" pitchFamily="34" charset="0"/>
+              </a:rPr>
+              <a:t>}</a:t>
+            </a:r>
+          </a:p>
+        </p:txBody>
+      </p:sp>
+      <p:cxnSp>
+        <p:nvCxnSpPr>
+          <p:cNvPr id="182" name="接點: 肘形 181">
+            <a:extLst>
+              <a:ext uri="{FF2B5EF4-FFF2-40B4-BE49-F238E27FC236}">
+                <a16:creationId xmlns:a16="http://schemas.microsoft.com/office/drawing/2014/main" id="{78FAF2B6-8E87-4516-8829-A62B795B79DE}"/>
+              </a:ext>
+            </a:extLst>
+          </p:cNvPr>
+          <p:cNvCxnSpPr>
+            <a:cxnSpLocks/>
+            <a:stCxn id="24" idx="0"/>
+            <a:endCxn id="183" idx="0"/>
+          </p:cNvCxnSpPr>
+          <p:nvPr/>
+        </p:nvCxnSpPr>
+        <p:spPr>
+          <a:xfrm rot="16200000" flipH="1" flipV="1">
+            <a:off x="3279102" y="988669"/>
+            <a:ext cx="5436720" cy="5116738"/>
+          </a:xfrm>
+          <a:prstGeom prst="bentConnector3">
+            <a:avLst>
+              <a:gd name="adj1" fmla="val -4205"/>
+            </a:avLst>
+          </a:prstGeom>
+          <a:ln w="9525">
+            <a:solidFill>
+              <a:schemeClr val="accent6">
+                <a:lumMod val="75000"/>
+              </a:schemeClr>
+            </a:solidFill>
+            <a:tailEnd type="triangle"/>
+          </a:ln>
+        </p:spPr>
+        <p:style>
+          <a:lnRef idx="1">
+            <a:schemeClr val="accent1"/>
+          </a:lnRef>
+          <a:fillRef idx="0">
+            <a:schemeClr val="accent1"/>
+          </a:fillRef>
+          <a:effectRef idx="0">
+            <a:schemeClr val="accent1"/>
+          </a:effectRef>
+          <a:fontRef idx="minor">
+            <a:schemeClr val="tx1"/>
+          </a:fontRef>
+        </p:style>
+      </p:cxnSp>
+      <p:sp>
+        <p:nvSpPr>
+          <p:cNvPr id="183" name="矩形 182">
+            <a:extLst>
+              <a:ext uri="{FF2B5EF4-FFF2-40B4-BE49-F238E27FC236}">
+                <a16:creationId xmlns:a16="http://schemas.microsoft.com/office/drawing/2014/main" id="{880D088C-B6DA-4212-A4D9-525C00950CE9}"/>
+              </a:ext>
+            </a:extLst>
+          </p:cNvPr>
+          <p:cNvSpPr/>
+          <p:nvPr/>
+        </p:nvSpPr>
+        <p:spPr>
+          <a:xfrm>
+            <a:off x="3194050" y="6265398"/>
+            <a:ext cx="490086" cy="116681"/>
+          </a:xfrm>
+          <a:prstGeom prst="rect">
+            <a:avLst/>
+          </a:prstGeom>
+          <a:noFill/>
+          <a:ln w="9525">
+            <a:solidFill>
+              <a:schemeClr val="accent6">
+                <a:lumMod val="75000"/>
+              </a:schemeClr>
+            </a:solidFill>
+          </a:ln>
+        </p:spPr>
+        <p:style>
+          <a:lnRef idx="2">
+            <a:schemeClr val="accent1">
+              <a:shade val="50000"/>
+            </a:schemeClr>
+          </a:lnRef>
+          <a:fillRef idx="1">
+            <a:schemeClr val="accent1"/>
+          </a:fillRef>
+          <a:effectRef idx="0">
+            <a:schemeClr val="accent1"/>
+          </a:effectRef>
+          <a:fontRef idx="minor">
+            <a:schemeClr val="lt1"/>
+          </a:fontRef>
+        </p:style>
+        <p:txBody>
+          <a:bodyPr rtlCol="0" anchor="ctr"/>
+          <a:lstStyle/>
+          <a:p>
+            <a:pPr algn="ctr"/>
+            <a:endParaRPr lang="zh-TW" altLang="en-US"/>
+          </a:p>
+        </p:txBody>
+      </p:sp>
+      <p:sp>
+        <p:nvSpPr>
+          <p:cNvPr id="187" name="矩形 186">
+            <a:extLst>
+              <a:ext uri="{FF2B5EF4-FFF2-40B4-BE49-F238E27FC236}">
+                <a16:creationId xmlns:a16="http://schemas.microsoft.com/office/drawing/2014/main" id="{4419FFC7-26C7-4488-B631-46BD196839EC}"/>
+              </a:ext>
+            </a:extLst>
+          </p:cNvPr>
+          <p:cNvSpPr/>
+          <p:nvPr/>
+        </p:nvSpPr>
+        <p:spPr>
+          <a:xfrm>
+            <a:off x="2096083" y="6376194"/>
+            <a:ext cx="520172" cy="116681"/>
+          </a:xfrm>
+          <a:prstGeom prst="rect">
+            <a:avLst/>
+          </a:prstGeom>
+          <a:noFill/>
+          <a:ln w="9525">
+            <a:solidFill>
+              <a:schemeClr val="accent6">
+                <a:lumMod val="75000"/>
+              </a:schemeClr>
+            </a:solidFill>
+          </a:ln>
+        </p:spPr>
+        <p:style>
+          <a:lnRef idx="2">
+            <a:schemeClr val="accent1">
+              <a:shade val="50000"/>
+            </a:schemeClr>
+          </a:lnRef>
+          <a:fillRef idx="1">
+            <a:schemeClr val="accent1"/>
+          </a:fillRef>
+          <a:effectRef idx="0">
+            <a:schemeClr val="accent1"/>
+          </a:effectRef>
+          <a:fontRef idx="minor">
+            <a:schemeClr val="lt1"/>
+          </a:fontRef>
+        </p:style>
+        <p:txBody>
+          <a:bodyPr rtlCol="0" anchor="ctr"/>
+          <a:lstStyle/>
+          <a:p>
+            <a:pPr algn="ctr"/>
+            <a:endParaRPr lang="zh-TW" altLang="en-US"/>
+          </a:p>
+        </p:txBody>
+      </p:sp>
+      <p:cxnSp>
+        <p:nvCxnSpPr>
+          <p:cNvPr id="189" name="接點: 肘形 188">
+            <a:extLst>
+              <a:ext uri="{FF2B5EF4-FFF2-40B4-BE49-F238E27FC236}">
+                <a16:creationId xmlns:a16="http://schemas.microsoft.com/office/drawing/2014/main" id="{22383013-4F8C-462D-A0EA-964C8A50F0BF}"/>
+              </a:ext>
+            </a:extLst>
+          </p:cNvPr>
+          <p:cNvCxnSpPr>
+            <a:cxnSpLocks/>
+            <a:stCxn id="36" idx="1"/>
+            <a:endCxn id="187" idx="3"/>
+          </p:cNvCxnSpPr>
+          <p:nvPr/>
+        </p:nvCxnSpPr>
+        <p:spPr>
+          <a:xfrm rot="10800000" flipV="1">
+            <a:off x="2616255" y="1348919"/>
+            <a:ext cx="4558452" cy="5085616"/>
+          </a:xfrm>
+          <a:prstGeom prst="bentConnector3">
+            <a:avLst>
+              <a:gd name="adj1" fmla="val 50000"/>
+            </a:avLst>
+          </a:prstGeom>
+          <a:ln w="9525">
+            <a:solidFill>
+              <a:schemeClr val="accent6">
+                <a:lumMod val="75000"/>
+              </a:schemeClr>
+            </a:solidFill>
+            <a:tailEnd type="triangle"/>
+          </a:ln>
+        </p:spPr>
+        <p:style>
+          <a:lnRef idx="1">
+            <a:schemeClr val="accent1"/>
+          </a:lnRef>
+          <a:fillRef idx="0">
+            <a:schemeClr val="accent1"/>
+          </a:fillRef>
+          <a:effectRef idx="0">
+            <a:schemeClr val="accent1"/>
+          </a:effectRef>
+          <a:fontRef idx="minor">
+            <a:schemeClr val="tx1"/>
+          </a:fontRef>
+        </p:style>
+      </p:cxnSp>
+      <p:sp>
+        <p:nvSpPr>
+          <p:cNvPr id="196" name="矩形 195">
+            <a:extLst>
+              <a:ext uri="{FF2B5EF4-FFF2-40B4-BE49-F238E27FC236}">
+                <a16:creationId xmlns:a16="http://schemas.microsoft.com/office/drawing/2014/main" id="{13266D0F-DA21-4334-BC93-E7BA28BC3142}"/>
+              </a:ext>
+            </a:extLst>
+          </p:cNvPr>
+          <p:cNvSpPr/>
+          <p:nvPr/>
+        </p:nvSpPr>
+        <p:spPr>
+          <a:xfrm>
+            <a:off x="10206039" y="981432"/>
+            <a:ext cx="277943" cy="80841"/>
+          </a:xfrm>
+          <a:prstGeom prst="rect">
+            <a:avLst/>
+          </a:prstGeom>
+          <a:noFill/>
+          <a:ln w="9525">
+            <a:solidFill>
+              <a:srgbClr val="FF0000"/>
+            </a:solidFill>
+          </a:ln>
+        </p:spPr>
+        <p:style>
+          <a:lnRef idx="2">
+            <a:schemeClr val="accent1">
+              <a:shade val="50000"/>
+            </a:schemeClr>
+          </a:lnRef>
+          <a:fillRef idx="1">
+            <a:schemeClr val="accent1"/>
+          </a:fillRef>
+          <a:effectRef idx="0">
+            <a:schemeClr val="accent1"/>
+          </a:effectRef>
+          <a:fontRef idx="minor">
+            <a:schemeClr val="lt1"/>
+          </a:fontRef>
+        </p:style>
+        <p:txBody>
+          <a:bodyPr rtlCol="0" anchor="ctr"/>
+          <a:lstStyle/>
+          <a:p>
+            <a:pPr algn="ctr"/>
+            <a:endParaRPr lang="zh-TW" altLang="en-US"/>
+          </a:p>
+        </p:txBody>
+      </p:sp>
+      <p:cxnSp>
+        <p:nvCxnSpPr>
+          <p:cNvPr id="199" name="接點: 肘形 198">
+            <a:extLst>
+              <a:ext uri="{FF2B5EF4-FFF2-40B4-BE49-F238E27FC236}">
+                <a16:creationId xmlns:a16="http://schemas.microsoft.com/office/drawing/2014/main" id="{833A0416-B42B-4337-A609-F3E487A299E1}"/>
+              </a:ext>
+            </a:extLst>
+          </p:cNvPr>
+          <p:cNvCxnSpPr>
+            <a:stCxn id="170" idx="1"/>
+            <a:endCxn id="196" idx="0"/>
+          </p:cNvCxnSpPr>
+          <p:nvPr/>
+        </p:nvCxnSpPr>
+        <p:spPr>
+          <a:xfrm rot="10800000" flipH="1">
+            <a:off x="6845295" y="981433"/>
+            <a:ext cx="3499715" cy="3071041"/>
+          </a:xfrm>
+          <a:prstGeom prst="bentConnector4">
+            <a:avLst>
+              <a:gd name="adj1" fmla="val -11975"/>
+              <a:gd name="adj2" fmla="val 125640"/>
+            </a:avLst>
+          </a:prstGeom>
+          <a:ln w="9525">
+            <a:solidFill>
+              <a:srgbClr val="FF0000"/>
+            </a:solidFill>
+            <a:tailEnd type="arrow" w="sm" len="sm"/>
+          </a:ln>
+        </p:spPr>
+        <p:style>
+          <a:lnRef idx="1">
+            <a:schemeClr val="accent1"/>
+          </a:lnRef>
+          <a:fillRef idx="0">
+            <a:schemeClr val="accent1"/>
+          </a:fillRef>
+          <a:effectRef idx="0">
+            <a:schemeClr val="accent1"/>
+          </a:effectRef>
+          <a:fontRef idx="minor">
+            <a:schemeClr val="tx1"/>
+          </a:fontRef>
+        </p:style>
+      </p:cxnSp>
+      <p:sp>
+        <p:nvSpPr>
+          <p:cNvPr id="203" name="矩形 202">
+            <a:extLst>
+              <a:ext uri="{FF2B5EF4-FFF2-40B4-BE49-F238E27FC236}">
+                <a16:creationId xmlns:a16="http://schemas.microsoft.com/office/drawing/2014/main" id="{BDC8C437-B6CE-407F-9459-1214EA8E37BA}"/>
+              </a:ext>
+            </a:extLst>
+          </p:cNvPr>
+          <p:cNvSpPr/>
+          <p:nvPr/>
+        </p:nvSpPr>
+        <p:spPr>
+          <a:xfrm>
+            <a:off x="10160236" y="885795"/>
+            <a:ext cx="260112" cy="66678"/>
+          </a:xfrm>
+          <a:prstGeom prst="rect">
+            <a:avLst/>
+          </a:prstGeom>
+          <a:noFill/>
+          <a:ln w="9525">
+            <a:solidFill>
+              <a:srgbClr val="FF0000"/>
+            </a:solidFill>
+          </a:ln>
+        </p:spPr>
+        <p:style>
+          <a:lnRef idx="2">
+            <a:schemeClr val="accent1">
+              <a:shade val="50000"/>
+            </a:schemeClr>
+          </a:lnRef>
+          <a:fillRef idx="1">
+            <a:schemeClr val="accent1"/>
+          </a:fillRef>
+          <a:effectRef idx="0">
+            <a:schemeClr val="accent1"/>
+          </a:effectRef>
+          <a:fontRef idx="minor">
+            <a:schemeClr val="lt1"/>
+          </a:fontRef>
+        </p:style>
+        <p:txBody>
+          <a:bodyPr rtlCol="0" anchor="ctr"/>
+          <a:lstStyle/>
+          <a:p>
+            <a:pPr algn="ctr"/>
+            <a:endParaRPr lang="zh-TW" altLang="en-US"/>
+          </a:p>
+        </p:txBody>
+      </p:sp>
+      <p:cxnSp>
+        <p:nvCxnSpPr>
+          <p:cNvPr id="205" name="接點: 肘形 204">
+            <a:extLst>
+              <a:ext uri="{FF2B5EF4-FFF2-40B4-BE49-F238E27FC236}">
+                <a16:creationId xmlns:a16="http://schemas.microsoft.com/office/drawing/2014/main" id="{AC941C37-1D8E-4107-9A90-1A050A932501}"/>
+              </a:ext>
+            </a:extLst>
+          </p:cNvPr>
+          <p:cNvCxnSpPr>
+            <a:stCxn id="22" idx="1"/>
+            <a:endCxn id="203" idx="1"/>
+          </p:cNvCxnSpPr>
+          <p:nvPr/>
+        </p:nvCxnSpPr>
+        <p:spPr>
+          <a:xfrm rot="10800000" flipH="1">
+            <a:off x="6845297" y="914403"/>
+            <a:ext cx="3301209" cy="2530076"/>
+          </a:xfrm>
+          <a:prstGeom prst="bentConnector3">
+            <a:avLst>
+              <a:gd name="adj1" fmla="val -16302"/>
+            </a:avLst>
+          </a:prstGeom>
+          <a:ln w="9525">
+            <a:solidFill>
+              <a:srgbClr val="FF0000"/>
+            </a:solidFill>
+            <a:tailEnd type="triangle"/>
+          </a:ln>
+        </p:spPr>
+        <p:style>
+          <a:lnRef idx="1">
+            <a:schemeClr val="accent1"/>
+          </a:lnRef>
+          <a:fillRef idx="0">
+            <a:schemeClr val="accent1"/>
+          </a:fillRef>
+          <a:effectRef idx="0">
+            <a:schemeClr val="accent1"/>
+          </a:effectRef>
+          <a:fontRef idx="minor">
+            <a:schemeClr val="tx1"/>
+          </a:fontRef>
+        </p:style>
+      </p:cxnSp>
     </p:spTree>
     <p:extLst>
       <p:ext uri="{BB962C8B-B14F-4D97-AF65-F5344CB8AC3E}">
         <p14:creationId xmlns:p14="http://schemas.microsoft.com/office/powerpoint/2010/main" val="3427156241"/>
+      </p:ext>
+    </p:extLst>
+  </p:cSld>
+  <p:clrMapOvr>
+    <a:masterClrMapping/>
+  </p:clrMapOvr>
+</p:sld>
+</file>
+
+<file path=ppt/slides/slide3.xml><?xml version="1.0" encoding="utf-8"?>
+<p:sld xmlns:a="http://schemas.openxmlformats.org/drawingml/2006/main" xmlns:r="http://schemas.openxmlformats.org/officeDocument/2006/relationships" xmlns:p="http://schemas.openxmlformats.org/presentationml/2006/main">
+  <p:cSld>
+    <p:spTree>
+      <p:nvGrpSpPr>
+        <p:cNvPr id="1" name=""/>
+        <p:cNvGrpSpPr/>
+        <p:nvPr/>
+      </p:nvGrpSpPr>
+      <p:grpSpPr>
+        <a:xfrm>
+          <a:off x="0" y="0"/>
+          <a:ext cx="0" cy="0"/>
+          <a:chOff x="0" y="0"/>
+          <a:chExt cx="0" cy="0"/>
+        </a:xfrm>
+      </p:grpSpPr>
+      <p:sp>
+        <p:nvSpPr>
+          <p:cNvPr id="2" name="標題 1">
+            <a:extLst>
+              <a:ext uri="{FF2B5EF4-FFF2-40B4-BE49-F238E27FC236}">
+                <a16:creationId xmlns:a16="http://schemas.microsoft.com/office/drawing/2014/main" id="{D28E4DFF-D51A-4B68-B3B7-6EF772F48A4D}"/>
+              </a:ext>
+            </a:extLst>
+          </p:cNvPr>
+          <p:cNvSpPr>
+            <a:spLocks noGrp="1"/>
+          </p:cNvSpPr>
+          <p:nvPr>
+            <p:ph type="title"/>
+          </p:nvPr>
+        </p:nvSpPr>
+        <p:spPr/>
+        <p:txBody>
+          <a:bodyPr/>
+          <a:lstStyle/>
+          <a:p>
+            <a:r>
+              <a:rPr lang="zh-TW" altLang="en-US" dirty="0">
+                <a:latin typeface="微軟正黑體" panose="020B0604030504040204" pitchFamily="34" charset="-120"/>
+                <a:ea typeface="微軟正黑體" panose="020B0604030504040204" pitchFamily="34" charset="-120"/>
+              </a:rPr>
+              <a:t>下載函稿</a:t>
+            </a:r>
+            <a:r>
+              <a:rPr lang="en-US" altLang="zh-TW" dirty="0">
+                <a:latin typeface="微軟正黑體" panose="020B0604030504040204" pitchFamily="34" charset="-120"/>
+                <a:ea typeface="微軟正黑體" panose="020B0604030504040204" pitchFamily="34" charset="-120"/>
+              </a:rPr>
+              <a:t>API</a:t>
+            </a:r>
+            <a:endParaRPr lang="zh-TW" altLang="en-US" dirty="0"/>
+          </a:p>
+        </p:txBody>
+      </p:sp>
+      <p:pic>
+        <p:nvPicPr>
+          <p:cNvPr id="4" name="圖片 3">
+            <a:extLst>
+              <a:ext uri="{FF2B5EF4-FFF2-40B4-BE49-F238E27FC236}">
+                <a16:creationId xmlns:a16="http://schemas.microsoft.com/office/drawing/2014/main" id="{8C4FF37C-3A1E-40F0-BB56-6467336746DF}"/>
+              </a:ext>
+            </a:extLst>
+          </p:cNvPr>
+          <p:cNvPicPr>
+            <a:picLocks noChangeAspect="1"/>
+          </p:cNvPicPr>
+          <p:nvPr/>
+        </p:nvPicPr>
+        <p:blipFill>
+          <a:blip r:embed="rId2"/>
+          <a:stretch>
+            <a:fillRect/>
+          </a:stretch>
+        </p:blipFill>
+        <p:spPr>
+          <a:xfrm>
+            <a:off x="967509" y="1690688"/>
+            <a:ext cx="5401733" cy="2310694"/>
+          </a:xfrm>
+          <a:prstGeom prst="rect">
+            <a:avLst/>
+          </a:prstGeom>
+        </p:spPr>
+      </p:pic>
+      <p:sp>
+        <p:nvSpPr>
+          <p:cNvPr id="5" name="矩形: 圓角 4">
+            <a:extLst>
+              <a:ext uri="{FF2B5EF4-FFF2-40B4-BE49-F238E27FC236}">
+                <a16:creationId xmlns:a16="http://schemas.microsoft.com/office/drawing/2014/main" id="{76580A05-182B-456E-AD85-66B997D2DF0A}"/>
+              </a:ext>
+            </a:extLst>
+          </p:cNvPr>
+          <p:cNvSpPr/>
+          <p:nvPr/>
+        </p:nvSpPr>
+        <p:spPr>
+          <a:xfrm>
+            <a:off x="5384800" y="2355273"/>
+            <a:ext cx="240145" cy="138545"/>
+          </a:xfrm>
+          <a:prstGeom prst="roundRect">
+            <a:avLst/>
+          </a:prstGeom>
+          <a:noFill/>
+          <a:ln>
+            <a:solidFill>
+              <a:srgbClr val="FF0000"/>
+            </a:solidFill>
+          </a:ln>
+        </p:spPr>
+        <p:style>
+          <a:lnRef idx="2">
+            <a:schemeClr val="accent1">
+              <a:shade val="50000"/>
+            </a:schemeClr>
+          </a:lnRef>
+          <a:fillRef idx="1">
+            <a:schemeClr val="accent1"/>
+          </a:fillRef>
+          <a:effectRef idx="0">
+            <a:schemeClr val="accent1"/>
+          </a:effectRef>
+          <a:fontRef idx="minor">
+            <a:schemeClr val="lt1"/>
+          </a:fontRef>
+        </p:style>
+        <p:txBody>
+          <a:bodyPr rtlCol="0" anchor="ctr"/>
+          <a:lstStyle/>
+          <a:p>
+            <a:pPr algn="ctr"/>
+            <a:endParaRPr lang="zh-TW" altLang="en-US"/>
+          </a:p>
+        </p:txBody>
+      </p:sp>
+      <p:sp>
+        <p:nvSpPr>
+          <p:cNvPr id="6" name="文字方塊 5">
+            <a:extLst>
+              <a:ext uri="{FF2B5EF4-FFF2-40B4-BE49-F238E27FC236}">
+                <a16:creationId xmlns:a16="http://schemas.microsoft.com/office/drawing/2014/main" id="{33BB4146-6717-4B99-8002-FB5A1BC15AA5}"/>
+              </a:ext>
+            </a:extLst>
+          </p:cNvPr>
+          <p:cNvSpPr txBox="1"/>
+          <p:nvPr/>
+        </p:nvSpPr>
+        <p:spPr>
+          <a:xfrm>
+            <a:off x="1329267" y="4401126"/>
+            <a:ext cx="4055533" cy="1200329"/>
+          </a:xfrm>
+          <a:prstGeom prst="rect">
+            <a:avLst/>
+          </a:prstGeom>
+          <a:noFill/>
+          <a:ln>
+            <a:solidFill>
+              <a:schemeClr val="tx1"/>
+            </a:solidFill>
+          </a:ln>
+        </p:spPr>
+        <p:txBody>
+          <a:bodyPr wrap="square">
+            <a:spAutoFit/>
+          </a:bodyPr>
+          <a:lstStyle/>
+          <a:p>
+            <a:r>
+              <a:rPr lang="zh-TW" altLang="en-US" sz="800" dirty="0">
+                <a:latin typeface="微軟正黑體" panose="020B0604030504040204" pitchFamily="34" charset="-120"/>
+                <a:ea typeface="微軟正黑體" panose="020B0604030504040204" pitchFamily="34" charset="-120"/>
+                <a:cs typeface="Arial" panose="020B0604020202020204" pitchFamily="34" charset="0"/>
+              </a:rPr>
+              <a:t>URL: http://10.193.130.8:8000/api/v1/getPayDraftStream</a:t>
+            </a:r>
+          </a:p>
+          <a:p>
+            <a:r>
+              <a:rPr lang="zh-TW" altLang="en-US" sz="800" dirty="0">
+                <a:latin typeface="微軟正黑體" panose="020B0604030504040204" pitchFamily="34" charset="-120"/>
+                <a:ea typeface="微軟正黑體" panose="020B0604030504040204" pitchFamily="34" charset="-120"/>
+                <a:cs typeface="Arial" panose="020B0604020202020204" pitchFamily="34" charset="0"/>
+              </a:rPr>
+              <a:t>Method: POST</a:t>
+            </a:r>
+          </a:p>
+          <a:p>
+            <a:endParaRPr lang="zh-TW" altLang="en-US" sz="800" dirty="0">
+              <a:latin typeface="微軟正黑體" panose="020B0604030504040204" pitchFamily="34" charset="-120"/>
+              <a:ea typeface="微軟正黑體" panose="020B0604030504040204" pitchFamily="34" charset="-120"/>
+              <a:cs typeface="Arial" panose="020B0604020202020204" pitchFamily="34" charset="0"/>
+            </a:endParaRPr>
+          </a:p>
+          <a:p>
+            <a:r>
+              <a:rPr lang="zh-TW" altLang="en-US" sz="800" dirty="0">
+                <a:latin typeface="微軟正黑體" panose="020B0604030504040204" pitchFamily="34" charset="-120"/>
+                <a:ea typeface="微軟正黑體" panose="020B0604030504040204" pitchFamily="34" charset="-120"/>
+                <a:cs typeface="Arial" panose="020B0604020202020204" pitchFamily="34" charset="0"/>
+              </a:rPr>
+              <a:t>POST Body:</a:t>
+            </a:r>
+          </a:p>
+          <a:p>
+            <a:endParaRPr lang="zh-TW" altLang="en-US" sz="800" dirty="0">
+              <a:latin typeface="微軟正黑體" panose="020B0604030504040204" pitchFamily="34" charset="-120"/>
+              <a:ea typeface="微軟正黑體" panose="020B0604030504040204" pitchFamily="34" charset="-120"/>
+              <a:cs typeface="Arial" panose="020B0604020202020204" pitchFamily="34" charset="0"/>
+            </a:endParaRPr>
+          </a:p>
+          <a:p>
+            <a:r>
+              <a:rPr lang="zh-TW" altLang="en-US" sz="800" dirty="0">
+                <a:latin typeface="微軟正黑體" panose="020B0604030504040204" pitchFamily="34" charset="-120"/>
+                <a:ea typeface="微軟正黑體" panose="020B0604030504040204" pitchFamily="34" charset="-120"/>
+                <a:cs typeface="Arial" panose="020B0604020202020204" pitchFamily="34" charset="0"/>
+              </a:rPr>
+              <a:t>{</a:t>
+            </a:r>
+            <a:endParaRPr lang="en-US" altLang="zh-TW" sz="800" dirty="0">
+              <a:latin typeface="微軟正黑體" panose="020B0604030504040204" pitchFamily="34" charset="-120"/>
+              <a:ea typeface="微軟正黑體" panose="020B0604030504040204" pitchFamily="34" charset="-120"/>
+              <a:cs typeface="Arial" panose="020B0604020202020204" pitchFamily="34" charset="0"/>
+            </a:endParaRPr>
+          </a:p>
+          <a:p>
+            <a:r>
+              <a:rPr lang="zh-TW" altLang="en-US" sz="800" dirty="0">
+                <a:latin typeface="微軟正黑體" panose="020B0604030504040204" pitchFamily="34" charset="-120"/>
+                <a:ea typeface="微軟正黑體" panose="020B0604030504040204" pitchFamily="34" charset="-120"/>
+                <a:cs typeface="Arial" panose="020B0604020202020204" pitchFamily="34" charset="0"/>
+              </a:rPr>
+              <a:t>    "PayDraftID": int</a:t>
+            </a:r>
+            <a:r>
+              <a:rPr lang="en-US" altLang="zh-TW" sz="800" dirty="0">
+                <a:latin typeface="微軟正黑體" panose="020B0604030504040204" pitchFamily="34" charset="-120"/>
+                <a:ea typeface="微軟正黑體" panose="020B0604030504040204" pitchFamily="34" charset="-120"/>
+                <a:cs typeface="Arial" panose="020B0604020202020204" pitchFamily="34" charset="0"/>
+              </a:rPr>
+              <a:t>,</a:t>
+            </a:r>
+          </a:p>
+          <a:p>
+            <a:r>
+              <a:rPr lang="en-US" altLang="zh-TW" sz="800" dirty="0">
+                <a:latin typeface="微軟正黑體" panose="020B0604030504040204" pitchFamily="34" charset="-120"/>
+                <a:ea typeface="微軟正黑體" panose="020B0604030504040204" pitchFamily="34" charset="-120"/>
+                <a:cs typeface="Arial" panose="020B0604020202020204" pitchFamily="34" charset="0"/>
+              </a:rPr>
+              <a:t>    </a:t>
+            </a:r>
+            <a:r>
+              <a:rPr lang="zh-TW" altLang="en-US" sz="800" dirty="0">
+                <a:latin typeface="微軟正黑體" panose="020B0604030504040204" pitchFamily="34" charset="-120"/>
+                <a:ea typeface="微軟正黑體" panose="020B0604030504040204" pitchFamily="34" charset="-120"/>
+                <a:cs typeface="Arial" panose="020B0604020202020204" pitchFamily="34" charset="0"/>
+              </a:rPr>
+              <a:t>"</a:t>
+            </a:r>
+            <a:r>
+              <a:rPr lang="en-US" altLang="zh-TW" sz="800" dirty="0" err="1">
+                <a:latin typeface="微軟正黑體" panose="020B0604030504040204" pitchFamily="34" charset="-120"/>
+                <a:ea typeface="微軟正黑體" panose="020B0604030504040204" pitchFamily="34" charset="-120"/>
+                <a:cs typeface="Arial" panose="020B0604020202020204" pitchFamily="34" charset="0"/>
+              </a:rPr>
+              <a:t>DownloadTemplate</a:t>
+            </a:r>
+            <a:r>
+              <a:rPr lang="zh-TW" altLang="en-US" sz="800" dirty="0">
+                <a:latin typeface="微軟正黑體" panose="020B0604030504040204" pitchFamily="34" charset="-120"/>
+                <a:ea typeface="微軟正黑體" panose="020B0604030504040204" pitchFamily="34" charset="-120"/>
+                <a:cs typeface="Arial" panose="020B0604020202020204" pitchFamily="34" charset="0"/>
+              </a:rPr>
+              <a:t>": true</a:t>
+            </a:r>
+          </a:p>
+          <a:p>
+            <a:r>
+              <a:rPr lang="zh-TW" altLang="en-US" sz="800" dirty="0">
+                <a:latin typeface="微軟正黑體" panose="020B0604030504040204" pitchFamily="34" charset="-120"/>
+                <a:ea typeface="微軟正黑體" panose="020B0604030504040204" pitchFamily="34" charset="-120"/>
+                <a:cs typeface="Arial" panose="020B0604020202020204" pitchFamily="34" charset="0"/>
+              </a:rPr>
+              <a:t>}</a:t>
+            </a:r>
+          </a:p>
+        </p:txBody>
+      </p:sp>
+      <p:cxnSp>
+        <p:nvCxnSpPr>
+          <p:cNvPr id="8" name="接點: 肘形 7">
+            <a:extLst>
+              <a:ext uri="{FF2B5EF4-FFF2-40B4-BE49-F238E27FC236}">
+                <a16:creationId xmlns:a16="http://schemas.microsoft.com/office/drawing/2014/main" id="{2D520EDC-4B29-4C90-B68E-7ED87ABE3792}"/>
+              </a:ext>
+            </a:extLst>
+          </p:cNvPr>
+          <p:cNvCxnSpPr>
+            <a:stCxn id="5" idx="2"/>
+            <a:endCxn id="6" idx="0"/>
+          </p:cNvCxnSpPr>
+          <p:nvPr/>
+        </p:nvCxnSpPr>
+        <p:spPr>
+          <a:xfrm rot="5400000">
+            <a:off x="3477300" y="2373553"/>
+            <a:ext cx="1907308" cy="2147839"/>
+          </a:xfrm>
+          <a:prstGeom prst="bentConnector3">
+            <a:avLst/>
+          </a:prstGeom>
+          <a:ln w="9525">
+            <a:solidFill>
+              <a:srgbClr val="FF0000"/>
+            </a:solidFill>
+            <a:tailEnd type="triangle"/>
+          </a:ln>
+        </p:spPr>
+        <p:style>
+          <a:lnRef idx="1">
+            <a:schemeClr val="accent1"/>
+          </a:lnRef>
+          <a:fillRef idx="0">
+            <a:schemeClr val="accent1"/>
+          </a:fillRef>
+          <a:effectRef idx="0">
+            <a:schemeClr val="accent1"/>
+          </a:effectRef>
+          <a:fontRef idx="minor">
+            <a:schemeClr val="tx1"/>
+          </a:fontRef>
+        </p:style>
+      </p:cxnSp>
+    </p:spTree>
+    <p:extLst>
+      <p:ext uri="{BB962C8B-B14F-4D97-AF65-F5344CB8AC3E}">
+        <p14:creationId xmlns:p14="http://schemas.microsoft.com/office/powerpoint/2010/main" val="3128454995"/>
+      </p:ext>
+    </p:extLst>
+  </p:cSld>
+  <p:clrMapOvr>
+    <a:masterClrMapping/>
+  </p:clrMapOvr>
+</p:sld>
+</file>
+
+<file path=ppt/slides/slide4.xml><?xml version="1.0" encoding="utf-8"?>
+<p:sld xmlns:a="http://schemas.openxmlformats.org/drawingml/2006/main" xmlns:r="http://schemas.openxmlformats.org/officeDocument/2006/relationships" xmlns:p="http://schemas.openxmlformats.org/presentationml/2006/main">
+  <p:cSld>
+    <p:spTree>
+      <p:nvGrpSpPr>
+        <p:cNvPr id="1" name=""/>
+        <p:cNvGrpSpPr/>
+        <p:nvPr/>
+      </p:nvGrpSpPr>
+      <p:grpSpPr>
+        <a:xfrm>
+          <a:off x="0" y="0"/>
+          <a:ext cx="0" cy="0"/>
+          <a:chOff x="0" y="0"/>
+          <a:chExt cx="0" cy="0"/>
+        </a:xfrm>
+      </p:grpSpPr>
+      <p:sp>
+        <p:nvSpPr>
+          <p:cNvPr id="2" name="標題 1">
+            <a:extLst>
+              <a:ext uri="{FF2B5EF4-FFF2-40B4-BE49-F238E27FC236}">
+                <a16:creationId xmlns:a16="http://schemas.microsoft.com/office/drawing/2014/main" id="{D28E4DFF-D51A-4B68-B3B7-6EF772F48A4D}"/>
+              </a:ext>
+            </a:extLst>
+          </p:cNvPr>
+          <p:cNvSpPr>
+            <a:spLocks noGrp="1"/>
+          </p:cNvSpPr>
+          <p:nvPr>
+            <p:ph type="title"/>
+          </p:nvPr>
+        </p:nvSpPr>
+        <p:spPr/>
+        <p:txBody>
+          <a:bodyPr/>
+          <a:lstStyle/>
+          <a:p>
+            <a:r>
+              <a:rPr lang="zh-TW" altLang="en-US" dirty="0">
+                <a:latin typeface="微軟正黑體" panose="020B0604030504040204" pitchFamily="34" charset="-120"/>
+                <a:ea typeface="微軟正黑體" panose="020B0604030504040204" pitchFamily="34" charset="-120"/>
+              </a:rPr>
+              <a:t>確認函稿</a:t>
+            </a:r>
+            <a:r>
+              <a:rPr lang="en-US" altLang="zh-TW" dirty="0">
+                <a:latin typeface="微軟正黑體" panose="020B0604030504040204" pitchFamily="34" charset="-120"/>
+                <a:ea typeface="微軟正黑體" panose="020B0604030504040204" pitchFamily="34" charset="-120"/>
+              </a:rPr>
+              <a:t>API</a:t>
+            </a:r>
+            <a:endParaRPr lang="zh-TW" altLang="en-US" dirty="0"/>
+          </a:p>
+        </p:txBody>
+      </p:sp>
+      <p:pic>
+        <p:nvPicPr>
+          <p:cNvPr id="4" name="圖片 3">
+            <a:extLst>
+              <a:ext uri="{FF2B5EF4-FFF2-40B4-BE49-F238E27FC236}">
+                <a16:creationId xmlns:a16="http://schemas.microsoft.com/office/drawing/2014/main" id="{8C4FF37C-3A1E-40F0-BB56-6467336746DF}"/>
+              </a:ext>
+            </a:extLst>
+          </p:cNvPr>
+          <p:cNvPicPr>
+            <a:picLocks noChangeAspect="1"/>
+          </p:cNvPicPr>
+          <p:nvPr/>
+        </p:nvPicPr>
+        <p:blipFill>
+          <a:blip r:embed="rId2"/>
+          <a:stretch>
+            <a:fillRect/>
+          </a:stretch>
+        </p:blipFill>
+        <p:spPr>
+          <a:xfrm>
+            <a:off x="967509" y="1690688"/>
+            <a:ext cx="5401733" cy="2310694"/>
+          </a:xfrm>
+          <a:prstGeom prst="rect">
+            <a:avLst/>
+          </a:prstGeom>
+        </p:spPr>
+      </p:pic>
+      <p:sp>
+        <p:nvSpPr>
+          <p:cNvPr id="5" name="矩形: 圓角 4">
+            <a:extLst>
+              <a:ext uri="{FF2B5EF4-FFF2-40B4-BE49-F238E27FC236}">
+                <a16:creationId xmlns:a16="http://schemas.microsoft.com/office/drawing/2014/main" id="{76580A05-182B-456E-AD85-66B997D2DF0A}"/>
+              </a:ext>
+            </a:extLst>
+          </p:cNvPr>
+          <p:cNvSpPr/>
+          <p:nvPr/>
+        </p:nvSpPr>
+        <p:spPr>
+          <a:xfrm>
+            <a:off x="5813369" y="2355273"/>
+            <a:ext cx="343591" cy="174567"/>
+          </a:xfrm>
+          <a:prstGeom prst="roundRect">
+            <a:avLst/>
+          </a:prstGeom>
+          <a:noFill/>
+          <a:ln>
+            <a:solidFill>
+              <a:srgbClr val="FF0000"/>
+            </a:solidFill>
+          </a:ln>
+        </p:spPr>
+        <p:style>
+          <a:lnRef idx="2">
+            <a:schemeClr val="accent1">
+              <a:shade val="50000"/>
+            </a:schemeClr>
+          </a:lnRef>
+          <a:fillRef idx="1">
+            <a:schemeClr val="accent1"/>
+          </a:fillRef>
+          <a:effectRef idx="0">
+            <a:schemeClr val="accent1"/>
+          </a:effectRef>
+          <a:fontRef idx="minor">
+            <a:schemeClr val="lt1"/>
+          </a:fontRef>
+        </p:style>
+        <p:txBody>
+          <a:bodyPr rtlCol="0" anchor="ctr"/>
+          <a:lstStyle/>
+          <a:p>
+            <a:pPr algn="ctr"/>
+            <a:endParaRPr lang="zh-TW" altLang="en-US"/>
+          </a:p>
+        </p:txBody>
+      </p:sp>
+      <p:sp>
+        <p:nvSpPr>
+          <p:cNvPr id="6" name="文字方塊 5">
+            <a:extLst>
+              <a:ext uri="{FF2B5EF4-FFF2-40B4-BE49-F238E27FC236}">
+                <a16:creationId xmlns:a16="http://schemas.microsoft.com/office/drawing/2014/main" id="{33BB4146-6717-4B99-8002-FB5A1BC15AA5}"/>
+              </a:ext>
+            </a:extLst>
+          </p:cNvPr>
+          <p:cNvSpPr txBox="1"/>
+          <p:nvPr/>
+        </p:nvSpPr>
+        <p:spPr>
+          <a:xfrm>
+            <a:off x="1329267" y="4401126"/>
+            <a:ext cx="4055533" cy="1200329"/>
+          </a:xfrm>
+          <a:prstGeom prst="rect">
+            <a:avLst/>
+          </a:prstGeom>
+          <a:noFill/>
+          <a:ln>
+            <a:solidFill>
+              <a:schemeClr val="tx1"/>
+            </a:solidFill>
+          </a:ln>
+        </p:spPr>
+        <p:txBody>
+          <a:bodyPr wrap="square">
+            <a:spAutoFit/>
+          </a:bodyPr>
+          <a:lstStyle/>
+          <a:p>
+            <a:r>
+              <a:rPr lang="zh-TW" altLang="en-US" sz="800" dirty="0">
+                <a:latin typeface="微軟正黑體" panose="020B0604030504040204" pitchFamily="34" charset="-120"/>
+                <a:ea typeface="微軟正黑體" panose="020B0604030504040204" pitchFamily="34" charset="-120"/>
+                <a:cs typeface="Arial" panose="020B0604020202020204" pitchFamily="34" charset="0"/>
+              </a:rPr>
+              <a:t>URL: http://10.193.130.8:8000/api/v1/</a:t>
+            </a:r>
+            <a:r>
+              <a:rPr lang="en-US" altLang="zh-TW" sz="800" dirty="0" err="1">
+                <a:latin typeface="微軟正黑體" panose="020B0604030504040204" pitchFamily="34" charset="-120"/>
+                <a:ea typeface="微軟正黑體" panose="020B0604030504040204" pitchFamily="34" charset="-120"/>
+                <a:cs typeface="Arial" panose="020B0604020202020204" pitchFamily="34" charset="0"/>
+              </a:rPr>
+              <a:t>paydraft</a:t>
+            </a:r>
+            <a:endParaRPr lang="zh-TW" altLang="en-US" sz="800" dirty="0">
+              <a:latin typeface="微軟正黑體" panose="020B0604030504040204" pitchFamily="34" charset="-120"/>
+              <a:ea typeface="微軟正黑體" panose="020B0604030504040204" pitchFamily="34" charset="-120"/>
+              <a:cs typeface="Arial" panose="020B0604020202020204" pitchFamily="34" charset="0"/>
+            </a:endParaRPr>
+          </a:p>
+          <a:p>
+            <a:r>
+              <a:rPr lang="zh-TW" altLang="en-US" sz="800" dirty="0">
+                <a:latin typeface="微軟正黑體" panose="020B0604030504040204" pitchFamily="34" charset="-120"/>
+                <a:ea typeface="微軟正黑體" panose="020B0604030504040204" pitchFamily="34" charset="-120"/>
+                <a:cs typeface="Arial" panose="020B0604020202020204" pitchFamily="34" charset="0"/>
+              </a:rPr>
+              <a:t>Method: POST</a:t>
+            </a:r>
+          </a:p>
+          <a:p>
+            <a:endParaRPr lang="zh-TW" altLang="en-US" sz="800" dirty="0">
+              <a:latin typeface="微軟正黑體" panose="020B0604030504040204" pitchFamily="34" charset="-120"/>
+              <a:ea typeface="微軟正黑體" panose="020B0604030504040204" pitchFamily="34" charset="-120"/>
+              <a:cs typeface="Arial" panose="020B0604020202020204" pitchFamily="34" charset="0"/>
+            </a:endParaRPr>
+          </a:p>
+          <a:p>
+            <a:r>
+              <a:rPr lang="zh-TW" altLang="en-US" sz="800" dirty="0">
+                <a:latin typeface="微軟正黑體" panose="020B0604030504040204" pitchFamily="34" charset="-120"/>
+                <a:ea typeface="微軟正黑體" panose="020B0604030504040204" pitchFamily="34" charset="-120"/>
+                <a:cs typeface="Arial" panose="020B0604020202020204" pitchFamily="34" charset="0"/>
+              </a:rPr>
+              <a:t>POST Body:</a:t>
+            </a:r>
+          </a:p>
+          <a:p>
+            <a:endParaRPr lang="zh-TW" altLang="en-US" sz="800" dirty="0">
+              <a:latin typeface="微軟正黑體" panose="020B0604030504040204" pitchFamily="34" charset="-120"/>
+              <a:ea typeface="微軟正黑體" panose="020B0604030504040204" pitchFamily="34" charset="-120"/>
+              <a:cs typeface="Arial" panose="020B0604020202020204" pitchFamily="34" charset="0"/>
+            </a:endParaRPr>
+          </a:p>
+          <a:p>
+            <a:r>
+              <a:rPr lang="zh-TW" altLang="en-US" sz="800" dirty="0">
+                <a:latin typeface="微軟正黑體" panose="020B0604030504040204" pitchFamily="34" charset="-120"/>
+                <a:ea typeface="微軟正黑體" panose="020B0604030504040204" pitchFamily="34" charset="-120"/>
+                <a:cs typeface="Arial" panose="020B0604020202020204" pitchFamily="34" charset="0"/>
+              </a:rPr>
+              <a:t>{</a:t>
+            </a:r>
+            <a:endParaRPr lang="en-US" altLang="zh-TW" sz="800" dirty="0">
+              <a:latin typeface="微軟正黑體" panose="020B0604030504040204" pitchFamily="34" charset="-120"/>
+              <a:ea typeface="微軟正黑體" panose="020B0604030504040204" pitchFamily="34" charset="-120"/>
+              <a:cs typeface="Arial" panose="020B0604020202020204" pitchFamily="34" charset="0"/>
+            </a:endParaRPr>
+          </a:p>
+          <a:p>
+            <a:r>
+              <a:rPr lang="zh-TW" altLang="en-US" sz="800" dirty="0">
+                <a:latin typeface="微軟正黑體" panose="020B0604030504040204" pitchFamily="34" charset="-120"/>
+                <a:ea typeface="微軟正黑體" panose="020B0604030504040204" pitchFamily="34" charset="-120"/>
+                <a:cs typeface="Arial" panose="020B0604020202020204" pitchFamily="34" charset="0"/>
+              </a:rPr>
+              <a:t>    "PayDraftID": int</a:t>
+            </a:r>
+            <a:r>
+              <a:rPr lang="en-US" altLang="zh-TW" sz="800" dirty="0">
+                <a:latin typeface="微軟正黑體" panose="020B0604030504040204" pitchFamily="34" charset="-120"/>
+                <a:ea typeface="微軟正黑體" panose="020B0604030504040204" pitchFamily="34" charset="-120"/>
+                <a:cs typeface="Arial" panose="020B0604020202020204" pitchFamily="34" charset="0"/>
+              </a:rPr>
+              <a:t>,</a:t>
+            </a:r>
+          </a:p>
+          <a:p>
+            <a:r>
+              <a:rPr lang="en-US" altLang="zh-TW" sz="800" dirty="0">
+                <a:latin typeface="微軟正黑體" panose="020B0604030504040204" pitchFamily="34" charset="-120"/>
+                <a:ea typeface="微軟正黑體" panose="020B0604030504040204" pitchFamily="34" charset="-120"/>
+                <a:cs typeface="Arial" panose="020B0604020202020204" pitchFamily="34" charset="0"/>
+              </a:rPr>
+              <a:t>    "Status": "COMPLETE",</a:t>
+            </a:r>
+            <a:endParaRPr lang="zh-TW" altLang="en-US" sz="800" dirty="0">
+              <a:latin typeface="微軟正黑體" panose="020B0604030504040204" pitchFamily="34" charset="-120"/>
+              <a:ea typeface="微軟正黑體" panose="020B0604030504040204" pitchFamily="34" charset="-120"/>
+              <a:cs typeface="Arial" panose="020B0604020202020204" pitchFamily="34" charset="0"/>
+            </a:endParaRPr>
+          </a:p>
+          <a:p>
+            <a:r>
+              <a:rPr lang="zh-TW" altLang="en-US" sz="800" dirty="0">
+                <a:latin typeface="微軟正黑體" panose="020B0604030504040204" pitchFamily="34" charset="-120"/>
+                <a:ea typeface="微軟正黑體" panose="020B0604030504040204" pitchFamily="34" charset="-120"/>
+                <a:cs typeface="Arial" panose="020B0604020202020204" pitchFamily="34" charset="0"/>
+              </a:rPr>
+              <a:t>}</a:t>
+            </a:r>
+          </a:p>
+        </p:txBody>
+      </p:sp>
+      <p:cxnSp>
+        <p:nvCxnSpPr>
+          <p:cNvPr id="8" name="接點: 肘形 7">
+            <a:extLst>
+              <a:ext uri="{FF2B5EF4-FFF2-40B4-BE49-F238E27FC236}">
+                <a16:creationId xmlns:a16="http://schemas.microsoft.com/office/drawing/2014/main" id="{2D520EDC-4B29-4C90-B68E-7ED87ABE3792}"/>
+              </a:ext>
+            </a:extLst>
+          </p:cNvPr>
+          <p:cNvCxnSpPr>
+            <a:cxnSpLocks/>
+            <a:stCxn id="5" idx="2"/>
+            <a:endCxn id="6" idx="0"/>
+          </p:cNvCxnSpPr>
+          <p:nvPr/>
+        </p:nvCxnSpPr>
+        <p:spPr>
+          <a:xfrm rot="5400000">
+            <a:off x="3735457" y="2151418"/>
+            <a:ext cx="1871286" cy="2628131"/>
+          </a:xfrm>
+          <a:prstGeom prst="bentConnector3">
+            <a:avLst/>
+          </a:prstGeom>
+          <a:ln w="9525">
+            <a:solidFill>
+              <a:srgbClr val="FF0000"/>
+            </a:solidFill>
+            <a:tailEnd type="triangle"/>
+          </a:ln>
+        </p:spPr>
+        <p:style>
+          <a:lnRef idx="1">
+            <a:schemeClr val="accent1"/>
+          </a:lnRef>
+          <a:fillRef idx="0">
+            <a:schemeClr val="accent1"/>
+          </a:fillRef>
+          <a:effectRef idx="0">
+            <a:schemeClr val="accent1"/>
+          </a:effectRef>
+          <a:fontRef idx="minor">
+            <a:schemeClr val="tx1"/>
+          </a:fontRef>
+        </p:style>
+      </p:cxnSp>
+    </p:spTree>
+    <p:extLst>
+      <p:ext uri="{BB962C8B-B14F-4D97-AF65-F5344CB8AC3E}">
+        <p14:creationId xmlns:p14="http://schemas.microsoft.com/office/powerpoint/2010/main" val="178851824"/>
       </p:ext>
     </p:extLst>
   </p:cSld>
